--- a/아인스에스엔시 발표.pptx
+++ b/아인스에스엔시 발표.pptx
@@ -4,12 +4,23 @@
   <p:sldMasterIdLst>
     <p:sldMasterId id="2147483648" r:id="rId1"/>
   </p:sldMasterIdLst>
+  <p:notesMasterIdLst>
+    <p:notesMasterId r:id="rId15"/>
+  </p:notesMasterIdLst>
   <p:sldIdLst>
     <p:sldId id="260" r:id="rId2"/>
     <p:sldId id="257" r:id="rId3"/>
     <p:sldId id="258" r:id="rId4"/>
     <p:sldId id="256" r:id="rId5"/>
-    <p:sldId id="259" r:id="rId6"/>
+    <p:sldId id="261" r:id="rId6"/>
+    <p:sldId id="262" r:id="rId7"/>
+    <p:sldId id="263" r:id="rId8"/>
+    <p:sldId id="264" r:id="rId9"/>
+    <p:sldId id="267" r:id="rId10"/>
+    <p:sldId id="265" r:id="rId11"/>
+    <p:sldId id="266" r:id="rId12"/>
+    <p:sldId id="268" r:id="rId13"/>
+    <p:sldId id="259" r:id="rId14"/>
   </p:sldIdLst>
   <p:sldSz cx="12192000" cy="6858000"/>
   <p:notesSz cx="6858000" cy="9144000"/>
@@ -108,7 +119,446 @@
       </a:defRPr>
     </a:lvl9pPr>
   </p:defaultTextStyle>
+  <p:extLst>
+    <p:ext uri="{EFAFB233-063F-42B5-8137-9DF3F51BA10A}">
+      <p15:sldGuideLst xmlns:p15="http://schemas.microsoft.com/office/powerpoint/2012/main"/>
+    </p:ext>
+  </p:extLst>
 </p:presentation>
+</file>
+
+<file path=ppt/notesMasters/notesMaster1.xml><?xml version="1.0" encoding="utf-8"?>
+<p:notesMaster xmlns:a="http://schemas.openxmlformats.org/drawingml/2006/main" xmlns:r="http://schemas.openxmlformats.org/officeDocument/2006/relationships" xmlns:p="http://schemas.openxmlformats.org/presentationml/2006/main">
+  <p:cSld>
+    <p:bg>
+      <p:bgRef idx="1001">
+        <a:schemeClr val="bg1"/>
+      </p:bgRef>
+    </p:bg>
+    <p:spTree>
+      <p:nvGrpSpPr>
+        <p:cNvPr id="1" name=""/>
+        <p:cNvGrpSpPr/>
+        <p:nvPr/>
+      </p:nvGrpSpPr>
+      <p:grpSpPr>
+        <a:xfrm>
+          <a:off x="0" y="0"/>
+          <a:ext cx="0" cy="0"/>
+          <a:chOff x="0" y="0"/>
+          <a:chExt cx="0" cy="0"/>
+        </a:xfrm>
+      </p:grpSpPr>
+      <p:sp>
+        <p:nvSpPr>
+          <p:cNvPr id="2" name="머리글 개체 틀 1"/>
+          <p:cNvSpPr>
+            <a:spLocks noGrp="1"/>
+          </p:cNvSpPr>
+          <p:nvPr>
+            <p:ph type="hdr" sz="quarter"/>
+          </p:nvPr>
+        </p:nvSpPr>
+        <p:spPr>
+          <a:xfrm>
+            <a:off x="0" y="0"/>
+            <a:ext cx="2971800" cy="458788"/>
+          </a:xfrm>
+          <a:prstGeom prst="rect">
+            <a:avLst/>
+          </a:prstGeom>
+        </p:spPr>
+        <p:txBody>
+          <a:bodyPr vert="horz" lIns="91440" tIns="45720" rIns="91440" bIns="45720" rtlCol="0"/>
+          <a:lstStyle>
+            <a:lvl1pPr algn="l">
+              <a:defRPr sz="1200"/>
+            </a:lvl1pPr>
+          </a:lstStyle>
+          <a:p>
+            <a:endParaRPr kumimoji="1" lang="ko-Kore-KR" altLang="en-US"/>
+          </a:p>
+        </p:txBody>
+      </p:sp>
+      <p:sp>
+        <p:nvSpPr>
+          <p:cNvPr id="3" name="날짜 개체 틀 2"/>
+          <p:cNvSpPr>
+            <a:spLocks noGrp="1"/>
+          </p:cNvSpPr>
+          <p:nvPr>
+            <p:ph type="dt" idx="1"/>
+          </p:nvPr>
+        </p:nvSpPr>
+        <p:spPr>
+          <a:xfrm>
+            <a:off x="3884613" y="0"/>
+            <a:ext cx="2971800" cy="458788"/>
+          </a:xfrm>
+          <a:prstGeom prst="rect">
+            <a:avLst/>
+          </a:prstGeom>
+        </p:spPr>
+        <p:txBody>
+          <a:bodyPr vert="horz" lIns="91440" tIns="45720" rIns="91440" bIns="45720" rtlCol="0"/>
+          <a:lstStyle>
+            <a:lvl1pPr algn="r">
+              <a:defRPr sz="1200"/>
+            </a:lvl1pPr>
+          </a:lstStyle>
+          <a:p>
+            <a:fld id="{B2240978-68F7-CA4F-A331-2A8A5B83C097}" type="datetimeFigureOut">
+              <a:rPr kumimoji="1" lang="ko-Kore-KR" altLang="en-US" smtClean="0"/>
+              <a:t>2023. 8. 22.</a:t>
+            </a:fld>
+            <a:endParaRPr kumimoji="1" lang="ko-Kore-KR" altLang="en-US"/>
+          </a:p>
+        </p:txBody>
+      </p:sp>
+      <p:sp>
+        <p:nvSpPr>
+          <p:cNvPr id="4" name="슬라이드 이미지 개체 틀 3"/>
+          <p:cNvSpPr>
+            <a:spLocks noGrp="1" noRot="1" noChangeAspect="1"/>
+          </p:cNvSpPr>
+          <p:nvPr>
+            <p:ph type="sldImg" idx="2"/>
+          </p:nvPr>
+        </p:nvSpPr>
+        <p:spPr>
+          <a:xfrm>
+            <a:off x="685800" y="1143000"/>
+            <a:ext cx="5486400" cy="3086100"/>
+          </a:xfrm>
+          <a:prstGeom prst="rect">
+            <a:avLst/>
+          </a:prstGeom>
+          <a:noFill/>
+          <a:ln w="12700">
+            <a:solidFill>
+              <a:prstClr val="black"/>
+            </a:solidFill>
+          </a:ln>
+        </p:spPr>
+        <p:txBody>
+          <a:bodyPr vert="horz" lIns="91440" tIns="45720" rIns="91440" bIns="45720" rtlCol="0" anchor="ctr"/>
+          <a:lstStyle/>
+          <a:p>
+            <a:endParaRPr lang="ko-Kore-KR" altLang="en-US"/>
+          </a:p>
+        </p:txBody>
+      </p:sp>
+      <p:sp>
+        <p:nvSpPr>
+          <p:cNvPr id="5" name="슬라이드 노트 개체 틀 4"/>
+          <p:cNvSpPr>
+            <a:spLocks noGrp="1"/>
+          </p:cNvSpPr>
+          <p:nvPr>
+            <p:ph type="body" sz="quarter" idx="3"/>
+          </p:nvPr>
+        </p:nvSpPr>
+        <p:spPr>
+          <a:xfrm>
+            <a:off x="685800" y="4400550"/>
+            <a:ext cx="5486400" cy="3600450"/>
+          </a:xfrm>
+          <a:prstGeom prst="rect">
+            <a:avLst/>
+          </a:prstGeom>
+        </p:spPr>
+        <p:txBody>
+          <a:bodyPr vert="horz" lIns="91440" tIns="45720" rIns="91440" bIns="45720" rtlCol="0"/>
+          <a:lstStyle/>
+          <a:p>
+            <a:pPr lvl="0"/>
+            <a:r>
+              <a:rPr kumimoji="1" lang="ko-KR" altLang="en-US"/>
+              <a:t>마스터 텍스트 스타일을 편집하려면 클릭</a:t>
+            </a:r>
+          </a:p>
+          <a:p>
+            <a:pPr lvl="1"/>
+            <a:r>
+              <a:rPr kumimoji="1" lang="ko-KR" altLang="en-US"/>
+              <a:t>두 번째 수준</a:t>
+            </a:r>
+          </a:p>
+          <a:p>
+            <a:pPr lvl="2"/>
+            <a:r>
+              <a:rPr kumimoji="1" lang="ko-KR" altLang="en-US"/>
+              <a:t>세 번째 수준</a:t>
+            </a:r>
+          </a:p>
+          <a:p>
+            <a:pPr lvl="3"/>
+            <a:r>
+              <a:rPr kumimoji="1" lang="ko-KR" altLang="en-US"/>
+              <a:t>네 번째 수준</a:t>
+            </a:r>
+          </a:p>
+          <a:p>
+            <a:pPr lvl="4"/>
+            <a:r>
+              <a:rPr kumimoji="1" lang="ko-KR" altLang="en-US"/>
+              <a:t>다섯 번째 수준</a:t>
+            </a:r>
+            <a:endParaRPr kumimoji="1" lang="ko-Kore-KR" altLang="en-US"/>
+          </a:p>
+        </p:txBody>
+      </p:sp>
+      <p:sp>
+        <p:nvSpPr>
+          <p:cNvPr id="6" name="바닥글 개체 틀 5"/>
+          <p:cNvSpPr>
+            <a:spLocks noGrp="1"/>
+          </p:cNvSpPr>
+          <p:nvPr>
+            <p:ph type="ftr" sz="quarter" idx="4"/>
+          </p:nvPr>
+        </p:nvSpPr>
+        <p:spPr>
+          <a:xfrm>
+            <a:off x="0" y="8685213"/>
+            <a:ext cx="2971800" cy="458787"/>
+          </a:xfrm>
+          <a:prstGeom prst="rect">
+            <a:avLst/>
+          </a:prstGeom>
+        </p:spPr>
+        <p:txBody>
+          <a:bodyPr vert="horz" lIns="91440" tIns="45720" rIns="91440" bIns="45720" rtlCol="0" anchor="b"/>
+          <a:lstStyle>
+            <a:lvl1pPr algn="l">
+              <a:defRPr sz="1200"/>
+            </a:lvl1pPr>
+          </a:lstStyle>
+          <a:p>
+            <a:endParaRPr kumimoji="1" lang="ko-Kore-KR" altLang="en-US"/>
+          </a:p>
+        </p:txBody>
+      </p:sp>
+      <p:sp>
+        <p:nvSpPr>
+          <p:cNvPr id="7" name="슬라이드 번호 개체 틀 6"/>
+          <p:cNvSpPr>
+            <a:spLocks noGrp="1"/>
+          </p:cNvSpPr>
+          <p:nvPr>
+            <p:ph type="sldNum" sz="quarter" idx="5"/>
+          </p:nvPr>
+        </p:nvSpPr>
+        <p:spPr>
+          <a:xfrm>
+            <a:off x="3884613" y="8685213"/>
+            <a:ext cx="2971800" cy="458787"/>
+          </a:xfrm>
+          <a:prstGeom prst="rect">
+            <a:avLst/>
+          </a:prstGeom>
+        </p:spPr>
+        <p:txBody>
+          <a:bodyPr vert="horz" lIns="91440" tIns="45720" rIns="91440" bIns="45720" rtlCol="0" anchor="b"/>
+          <a:lstStyle>
+            <a:lvl1pPr algn="r">
+              <a:defRPr sz="1200"/>
+            </a:lvl1pPr>
+          </a:lstStyle>
+          <a:p>
+            <a:fld id="{77108A08-4A38-994F-8D5B-F7D3ED8EB690}" type="slidenum">
+              <a:rPr kumimoji="1" lang="ko-Kore-KR" altLang="en-US" smtClean="0"/>
+              <a:t>‹#›</a:t>
+            </a:fld>
+            <a:endParaRPr kumimoji="1" lang="ko-Kore-KR" altLang="en-US"/>
+          </a:p>
+        </p:txBody>
+      </p:sp>
+    </p:spTree>
+    <p:extLst>
+      <p:ext uri="{BB962C8B-B14F-4D97-AF65-F5344CB8AC3E}">
+        <p14:creationId xmlns:p14="http://schemas.microsoft.com/office/powerpoint/2010/main" val="1143858727"/>
+      </p:ext>
+    </p:extLst>
+  </p:cSld>
+  <p:clrMap bg1="lt1" tx1="dk1" bg2="lt2" tx2="dk2" accent1="accent1" accent2="accent2" accent3="accent3" accent4="accent4" accent5="accent5" accent6="accent6" hlink="hlink" folHlink="folHlink"/>
+  <p:notesStyle>
+    <a:lvl1pPr marL="0" algn="l" defTabSz="914400" rtl="0" eaLnBrk="1" latinLnBrk="0" hangingPunct="1">
+      <a:defRPr sz="1200" kern="1200">
+        <a:solidFill>
+          <a:schemeClr val="tx1"/>
+        </a:solidFill>
+        <a:latin typeface="+mn-lt"/>
+        <a:ea typeface="+mn-ea"/>
+        <a:cs typeface="+mn-cs"/>
+      </a:defRPr>
+    </a:lvl1pPr>
+    <a:lvl2pPr marL="457200" algn="l" defTabSz="914400" rtl="0" eaLnBrk="1" latinLnBrk="0" hangingPunct="1">
+      <a:defRPr sz="1200" kern="1200">
+        <a:solidFill>
+          <a:schemeClr val="tx1"/>
+        </a:solidFill>
+        <a:latin typeface="+mn-lt"/>
+        <a:ea typeface="+mn-ea"/>
+        <a:cs typeface="+mn-cs"/>
+      </a:defRPr>
+    </a:lvl2pPr>
+    <a:lvl3pPr marL="914400" algn="l" defTabSz="914400" rtl="0" eaLnBrk="1" latinLnBrk="0" hangingPunct="1">
+      <a:defRPr sz="1200" kern="1200">
+        <a:solidFill>
+          <a:schemeClr val="tx1"/>
+        </a:solidFill>
+        <a:latin typeface="+mn-lt"/>
+        <a:ea typeface="+mn-ea"/>
+        <a:cs typeface="+mn-cs"/>
+      </a:defRPr>
+    </a:lvl3pPr>
+    <a:lvl4pPr marL="1371600" algn="l" defTabSz="914400" rtl="0" eaLnBrk="1" latinLnBrk="0" hangingPunct="1">
+      <a:defRPr sz="1200" kern="1200">
+        <a:solidFill>
+          <a:schemeClr val="tx1"/>
+        </a:solidFill>
+        <a:latin typeface="+mn-lt"/>
+        <a:ea typeface="+mn-ea"/>
+        <a:cs typeface="+mn-cs"/>
+      </a:defRPr>
+    </a:lvl4pPr>
+    <a:lvl5pPr marL="1828800" algn="l" defTabSz="914400" rtl="0" eaLnBrk="1" latinLnBrk="0" hangingPunct="1">
+      <a:defRPr sz="1200" kern="1200">
+        <a:solidFill>
+          <a:schemeClr val="tx1"/>
+        </a:solidFill>
+        <a:latin typeface="+mn-lt"/>
+        <a:ea typeface="+mn-ea"/>
+        <a:cs typeface="+mn-cs"/>
+      </a:defRPr>
+    </a:lvl5pPr>
+    <a:lvl6pPr marL="2286000" algn="l" defTabSz="914400" rtl="0" eaLnBrk="1" latinLnBrk="0" hangingPunct="1">
+      <a:defRPr sz="1200" kern="1200">
+        <a:solidFill>
+          <a:schemeClr val="tx1"/>
+        </a:solidFill>
+        <a:latin typeface="+mn-lt"/>
+        <a:ea typeface="+mn-ea"/>
+        <a:cs typeface="+mn-cs"/>
+      </a:defRPr>
+    </a:lvl6pPr>
+    <a:lvl7pPr marL="2743200" algn="l" defTabSz="914400" rtl="0" eaLnBrk="1" latinLnBrk="0" hangingPunct="1">
+      <a:defRPr sz="1200" kern="1200">
+        <a:solidFill>
+          <a:schemeClr val="tx1"/>
+        </a:solidFill>
+        <a:latin typeface="+mn-lt"/>
+        <a:ea typeface="+mn-ea"/>
+        <a:cs typeface="+mn-cs"/>
+      </a:defRPr>
+    </a:lvl7pPr>
+    <a:lvl8pPr marL="3200400" algn="l" defTabSz="914400" rtl="0" eaLnBrk="1" latinLnBrk="0" hangingPunct="1">
+      <a:defRPr sz="1200" kern="1200">
+        <a:solidFill>
+          <a:schemeClr val="tx1"/>
+        </a:solidFill>
+        <a:latin typeface="+mn-lt"/>
+        <a:ea typeface="+mn-ea"/>
+        <a:cs typeface="+mn-cs"/>
+      </a:defRPr>
+    </a:lvl8pPr>
+    <a:lvl9pPr marL="3657600" algn="l" defTabSz="914400" rtl="0" eaLnBrk="1" latinLnBrk="0" hangingPunct="1">
+      <a:defRPr sz="1200" kern="1200">
+        <a:solidFill>
+          <a:schemeClr val="tx1"/>
+        </a:solidFill>
+        <a:latin typeface="+mn-lt"/>
+        <a:ea typeface="+mn-ea"/>
+        <a:cs typeface="+mn-cs"/>
+      </a:defRPr>
+    </a:lvl9pPr>
+  </p:notesStyle>
+</p:notesMaster>
+</file>
+
+<file path=ppt/notesSlides/notesSlide1.xml><?xml version="1.0" encoding="utf-8"?>
+<p:notes xmlns:a="http://schemas.openxmlformats.org/drawingml/2006/main" xmlns:r="http://schemas.openxmlformats.org/officeDocument/2006/relationships" xmlns:p="http://schemas.openxmlformats.org/presentationml/2006/main">
+  <p:cSld>
+    <p:spTree>
+      <p:nvGrpSpPr>
+        <p:cNvPr id="1" name=""/>
+        <p:cNvGrpSpPr/>
+        <p:nvPr/>
+      </p:nvGrpSpPr>
+      <p:grpSpPr>
+        <a:xfrm>
+          <a:off x="0" y="0"/>
+          <a:ext cx="0" cy="0"/>
+          <a:chOff x="0" y="0"/>
+          <a:chExt cx="0" cy="0"/>
+        </a:xfrm>
+      </p:grpSpPr>
+      <p:sp>
+        <p:nvSpPr>
+          <p:cNvPr id="2" name="슬라이드 이미지 개체 틀 1"/>
+          <p:cNvSpPr>
+            <a:spLocks noGrp="1" noRot="1" noChangeAspect="1"/>
+          </p:cNvSpPr>
+          <p:nvPr>
+            <p:ph type="sldImg"/>
+          </p:nvPr>
+        </p:nvSpPr>
+        <p:spPr/>
+      </p:sp>
+      <p:sp>
+        <p:nvSpPr>
+          <p:cNvPr id="3" name="슬라이드 노트 개체 틀 2"/>
+          <p:cNvSpPr>
+            <a:spLocks noGrp="1"/>
+          </p:cNvSpPr>
+          <p:nvPr>
+            <p:ph type="body" idx="1"/>
+          </p:nvPr>
+        </p:nvSpPr>
+        <p:spPr/>
+        <p:txBody>
+          <a:bodyPr/>
+          <a:lstStyle/>
+          <a:p>
+            <a:endParaRPr kumimoji="1" lang="ko-Kore-KR" altLang="en-US" dirty="0"/>
+          </a:p>
+        </p:txBody>
+      </p:sp>
+      <p:sp>
+        <p:nvSpPr>
+          <p:cNvPr id="4" name="슬라이드 번호 개체 틀 3"/>
+          <p:cNvSpPr>
+            <a:spLocks noGrp="1"/>
+          </p:cNvSpPr>
+          <p:nvPr>
+            <p:ph type="sldNum" sz="quarter" idx="5"/>
+          </p:nvPr>
+        </p:nvSpPr>
+        <p:spPr/>
+        <p:txBody>
+          <a:bodyPr/>
+          <a:lstStyle/>
+          <a:p>
+            <a:fld id="{77108A08-4A38-994F-8D5B-F7D3ED8EB690}" type="slidenum">
+              <a:rPr kumimoji="1" lang="ko-Kore-KR" altLang="en-US" smtClean="0"/>
+              <a:t>7</a:t>
+            </a:fld>
+            <a:endParaRPr kumimoji="1" lang="ko-Kore-KR" altLang="en-US"/>
+          </a:p>
+        </p:txBody>
+      </p:sp>
+    </p:spTree>
+    <p:extLst>
+      <p:ext uri="{BB962C8B-B14F-4D97-AF65-F5344CB8AC3E}">
+        <p14:creationId xmlns:p14="http://schemas.microsoft.com/office/powerpoint/2010/main" val="3416177403"/>
+      </p:ext>
+    </p:extLst>
+  </p:cSld>
+  <p:clrMapOvr>
+    <a:masterClrMapping/>
+  </p:clrMapOvr>
+</p:notes>
 </file>
 
 <file path=ppt/slideLayouts/slideLayout1.xml><?xml version="1.0" encoding="utf-8"?>
@@ -260,7 +710,7 @@
           <a:p>
             <a:fld id="{FD682FF4-4698-C448-A833-F72B06E69A81}" type="datetimeFigureOut">
               <a:rPr kumimoji="1" lang="ko-Kore-KR" altLang="en-US" smtClean="0"/>
-              <a:t>2023. 8. 21.</a:t>
+              <a:t>2023. 8. 22.</a:t>
             </a:fld>
             <a:endParaRPr kumimoji="1" lang="ko-Kore-KR" altLang="en-US"/>
           </a:p>
@@ -460,7 +910,7 @@
           <a:p>
             <a:fld id="{FD682FF4-4698-C448-A833-F72B06E69A81}" type="datetimeFigureOut">
               <a:rPr kumimoji="1" lang="ko-Kore-KR" altLang="en-US" smtClean="0"/>
-              <a:t>2023. 8. 21.</a:t>
+              <a:t>2023. 8. 22.</a:t>
             </a:fld>
             <a:endParaRPr kumimoji="1" lang="ko-Kore-KR" altLang="en-US"/>
           </a:p>
@@ -670,7 +1120,7 @@
           <a:p>
             <a:fld id="{FD682FF4-4698-C448-A833-F72B06E69A81}" type="datetimeFigureOut">
               <a:rPr kumimoji="1" lang="ko-Kore-KR" altLang="en-US" smtClean="0"/>
-              <a:t>2023. 8. 21.</a:t>
+              <a:t>2023. 8. 22.</a:t>
             </a:fld>
             <a:endParaRPr kumimoji="1" lang="ko-Kore-KR" altLang="en-US"/>
           </a:p>
@@ -870,7 +1320,7 @@
           <a:p>
             <a:fld id="{FD682FF4-4698-C448-A833-F72B06E69A81}" type="datetimeFigureOut">
               <a:rPr kumimoji="1" lang="ko-Kore-KR" altLang="en-US" smtClean="0"/>
-              <a:t>2023. 8. 21.</a:t>
+              <a:t>2023. 8. 22.</a:t>
             </a:fld>
             <a:endParaRPr kumimoji="1" lang="ko-Kore-KR" altLang="en-US"/>
           </a:p>
@@ -1146,7 +1596,7 @@
           <a:p>
             <a:fld id="{FD682FF4-4698-C448-A833-F72B06E69A81}" type="datetimeFigureOut">
               <a:rPr kumimoji="1" lang="ko-Kore-KR" altLang="en-US" smtClean="0"/>
-              <a:t>2023. 8. 21.</a:t>
+              <a:t>2023. 8. 22.</a:t>
             </a:fld>
             <a:endParaRPr kumimoji="1" lang="ko-Kore-KR" altLang="en-US"/>
           </a:p>
@@ -1414,7 +1864,7 @@
           <a:p>
             <a:fld id="{FD682FF4-4698-C448-A833-F72B06E69A81}" type="datetimeFigureOut">
               <a:rPr kumimoji="1" lang="ko-Kore-KR" altLang="en-US" smtClean="0"/>
-              <a:t>2023. 8. 21.</a:t>
+              <a:t>2023. 8. 22.</a:t>
             </a:fld>
             <a:endParaRPr kumimoji="1" lang="ko-Kore-KR" altLang="en-US"/>
           </a:p>
@@ -1829,7 +2279,7 @@
           <a:p>
             <a:fld id="{FD682FF4-4698-C448-A833-F72B06E69A81}" type="datetimeFigureOut">
               <a:rPr kumimoji="1" lang="ko-Kore-KR" altLang="en-US" smtClean="0"/>
-              <a:t>2023. 8. 21.</a:t>
+              <a:t>2023. 8. 22.</a:t>
             </a:fld>
             <a:endParaRPr kumimoji="1" lang="ko-Kore-KR" altLang="en-US"/>
           </a:p>
@@ -1971,7 +2421,7 @@
           <a:p>
             <a:fld id="{FD682FF4-4698-C448-A833-F72B06E69A81}" type="datetimeFigureOut">
               <a:rPr kumimoji="1" lang="ko-Kore-KR" altLang="en-US" smtClean="0"/>
-              <a:t>2023. 8. 21.</a:t>
+              <a:t>2023. 8. 22.</a:t>
             </a:fld>
             <a:endParaRPr kumimoji="1" lang="ko-Kore-KR" altLang="en-US"/>
           </a:p>
@@ -2084,7 +2534,7 @@
           <a:p>
             <a:fld id="{FD682FF4-4698-C448-A833-F72B06E69A81}" type="datetimeFigureOut">
               <a:rPr kumimoji="1" lang="ko-Kore-KR" altLang="en-US" smtClean="0"/>
-              <a:t>2023. 8. 21.</a:t>
+              <a:t>2023. 8. 22.</a:t>
             </a:fld>
             <a:endParaRPr kumimoji="1" lang="ko-Kore-KR" altLang="en-US"/>
           </a:p>
@@ -2397,7 +2847,7 @@
           <a:p>
             <a:fld id="{FD682FF4-4698-C448-A833-F72B06E69A81}" type="datetimeFigureOut">
               <a:rPr kumimoji="1" lang="ko-Kore-KR" altLang="en-US" smtClean="0"/>
-              <a:t>2023. 8. 21.</a:t>
+              <a:t>2023. 8. 22.</a:t>
             </a:fld>
             <a:endParaRPr kumimoji="1" lang="ko-Kore-KR" altLang="en-US"/>
           </a:p>
@@ -2686,7 +3136,7 @@
           <a:p>
             <a:fld id="{FD682FF4-4698-C448-A833-F72B06E69A81}" type="datetimeFigureOut">
               <a:rPr kumimoji="1" lang="ko-Kore-KR" altLang="en-US" smtClean="0"/>
-              <a:t>2023. 8. 21.</a:t>
+              <a:t>2023. 8. 22.</a:t>
             </a:fld>
             <a:endParaRPr kumimoji="1" lang="ko-Kore-KR" altLang="en-US"/>
           </a:p>
@@ -2929,7 +3379,7 @@
           <a:p>
             <a:fld id="{FD682FF4-4698-C448-A833-F72B06E69A81}" type="datetimeFigureOut">
               <a:rPr kumimoji="1" lang="ko-Kore-KR" altLang="en-US" smtClean="0"/>
-              <a:t>2023. 8. 21.</a:t>
+              <a:t>2023. 8. 22.</a:t>
             </a:fld>
             <a:endParaRPr kumimoji="1" lang="ko-Kore-KR" altLang="en-US"/>
           </a:p>
@@ -3573,6 +4023,554 @@
 </p:sld>
 </file>
 
+<file path=ppt/slides/slide10.xml><?xml version="1.0" encoding="utf-8"?>
+<p:sld xmlns:a="http://schemas.openxmlformats.org/drawingml/2006/main" xmlns:r="http://schemas.openxmlformats.org/officeDocument/2006/relationships" xmlns:p="http://schemas.openxmlformats.org/presentationml/2006/main">
+  <p:cSld>
+    <p:spTree>
+      <p:nvGrpSpPr>
+        <p:cNvPr id="1" name=""/>
+        <p:cNvGrpSpPr/>
+        <p:nvPr/>
+      </p:nvGrpSpPr>
+      <p:grpSpPr>
+        <a:xfrm>
+          <a:off x="0" y="0"/>
+          <a:ext cx="0" cy="0"/>
+          <a:chOff x="0" y="0"/>
+          <a:chExt cx="0" cy="0"/>
+        </a:xfrm>
+      </p:grpSpPr>
+      <p:pic>
+        <p:nvPicPr>
+          <p:cNvPr id="8" name="그림 7">
+            <a:extLst>
+              <a:ext uri="{FF2B5EF4-FFF2-40B4-BE49-F238E27FC236}">
+                <a16:creationId xmlns:a16="http://schemas.microsoft.com/office/drawing/2014/main" id="{0C169F52-AD94-2B69-C877-E490F81E6003}"/>
+              </a:ext>
+            </a:extLst>
+          </p:cNvPr>
+          <p:cNvPicPr>
+            <a:picLocks noChangeAspect="1"/>
+          </p:cNvPicPr>
+          <p:nvPr/>
+        </p:nvPicPr>
+        <p:blipFill>
+          <a:blip r:embed="rId2"/>
+          <a:stretch>
+            <a:fillRect/>
+          </a:stretch>
+        </p:blipFill>
+        <p:spPr>
+          <a:xfrm>
+            <a:off x="2279247" y="1064689"/>
+            <a:ext cx="1397000" cy="584200"/>
+          </a:xfrm>
+          <a:prstGeom prst="rect">
+            <a:avLst/>
+          </a:prstGeom>
+        </p:spPr>
+      </p:pic>
+      <p:sp>
+        <p:nvSpPr>
+          <p:cNvPr id="2" name="TextBox 1">
+            <a:extLst>
+              <a:ext uri="{FF2B5EF4-FFF2-40B4-BE49-F238E27FC236}">
+                <a16:creationId xmlns:a16="http://schemas.microsoft.com/office/drawing/2014/main" id="{F08FEB6F-5215-EBCE-FBB4-391D5F41D388}"/>
+              </a:ext>
+            </a:extLst>
+          </p:cNvPr>
+          <p:cNvSpPr txBox="1"/>
+          <p:nvPr/>
+        </p:nvSpPr>
+        <p:spPr>
+          <a:xfrm>
+            <a:off x="3094182" y="360218"/>
+            <a:ext cx="6003636" cy="553998"/>
+          </a:xfrm>
+          <a:prstGeom prst="rect">
+            <a:avLst/>
+          </a:prstGeom>
+          <a:noFill/>
+        </p:spPr>
+        <p:txBody>
+          <a:bodyPr wrap="square" rtlCol="0">
+            <a:spAutoFit/>
+          </a:bodyPr>
+          <a:lstStyle/>
+          <a:p>
+            <a:pPr algn="ctr"/>
+            <a:r>
+              <a:rPr kumimoji="1" lang="en-US" altLang="ko-Kore-KR" sz="3000" b="1" dirty="0"/>
+              <a:t>Back End API </a:t>
+            </a:r>
+            <a:r>
+              <a:rPr kumimoji="1" lang="ko-Kore-KR" altLang="en-US" sz="3000" b="1" dirty="0"/>
+              <a:t>문서</a:t>
+            </a:r>
+          </a:p>
+        </p:txBody>
+      </p:sp>
+      <p:pic>
+        <p:nvPicPr>
+          <p:cNvPr id="6" name="그림 5" descr="텍스트, 소프트웨어, 웹 페이지, 스크린샷이(가) 표시된 사진&#10;&#10;자동 생성된 설명">
+            <a:extLst>
+              <a:ext uri="{FF2B5EF4-FFF2-40B4-BE49-F238E27FC236}">
+                <a16:creationId xmlns:a16="http://schemas.microsoft.com/office/drawing/2014/main" id="{4C280278-612B-FC6B-B482-E99F2D08E374}"/>
+              </a:ext>
+            </a:extLst>
+          </p:cNvPr>
+          <p:cNvPicPr>
+            <a:picLocks noChangeAspect="1"/>
+          </p:cNvPicPr>
+          <p:nvPr/>
+        </p:nvPicPr>
+        <p:blipFill>
+          <a:blip r:embed="rId3"/>
+          <a:stretch>
+            <a:fillRect/>
+          </a:stretch>
+        </p:blipFill>
+        <p:spPr>
+          <a:xfrm>
+            <a:off x="2209800" y="1447800"/>
+            <a:ext cx="7772400" cy="4645104"/>
+          </a:xfrm>
+          <a:prstGeom prst="rect">
+            <a:avLst/>
+          </a:prstGeom>
+        </p:spPr>
+      </p:pic>
+    </p:spTree>
+    <p:extLst>
+      <p:ext uri="{BB962C8B-B14F-4D97-AF65-F5344CB8AC3E}">
+        <p14:creationId xmlns:p14="http://schemas.microsoft.com/office/powerpoint/2010/main" val="1666375502"/>
+      </p:ext>
+    </p:extLst>
+  </p:cSld>
+  <p:clrMapOvr>
+    <a:masterClrMapping/>
+  </p:clrMapOvr>
+</p:sld>
+</file>
+
+<file path=ppt/slides/slide11.xml><?xml version="1.0" encoding="utf-8"?>
+<p:sld xmlns:a="http://schemas.openxmlformats.org/drawingml/2006/main" xmlns:r="http://schemas.openxmlformats.org/officeDocument/2006/relationships" xmlns:p="http://schemas.openxmlformats.org/presentationml/2006/main">
+  <p:cSld>
+    <p:spTree>
+      <p:nvGrpSpPr>
+        <p:cNvPr id="1" name=""/>
+        <p:cNvGrpSpPr/>
+        <p:nvPr/>
+      </p:nvGrpSpPr>
+      <p:grpSpPr>
+        <a:xfrm>
+          <a:off x="0" y="0"/>
+          <a:ext cx="0" cy="0"/>
+          <a:chOff x="0" y="0"/>
+          <a:chExt cx="0" cy="0"/>
+        </a:xfrm>
+      </p:grpSpPr>
+      <p:pic>
+        <p:nvPicPr>
+          <p:cNvPr id="6" name="그림 5">
+            <a:extLst>
+              <a:ext uri="{FF2B5EF4-FFF2-40B4-BE49-F238E27FC236}">
+                <a16:creationId xmlns:a16="http://schemas.microsoft.com/office/drawing/2014/main" id="{CB6F1B3E-C371-1E30-B4C1-BFF30A295C2F}"/>
+              </a:ext>
+            </a:extLst>
+          </p:cNvPr>
+          <p:cNvPicPr>
+            <a:picLocks noChangeAspect="1"/>
+          </p:cNvPicPr>
+          <p:nvPr/>
+        </p:nvPicPr>
+        <p:blipFill>
+          <a:blip r:embed="rId2"/>
+          <a:stretch>
+            <a:fillRect/>
+          </a:stretch>
+        </p:blipFill>
+        <p:spPr>
+          <a:xfrm>
+            <a:off x="2313974" y="911701"/>
+            <a:ext cx="1397000" cy="584200"/>
+          </a:xfrm>
+          <a:prstGeom prst="rect">
+            <a:avLst/>
+          </a:prstGeom>
+        </p:spPr>
+      </p:pic>
+      <p:sp>
+        <p:nvSpPr>
+          <p:cNvPr id="2" name="TextBox 1">
+            <a:extLst>
+              <a:ext uri="{FF2B5EF4-FFF2-40B4-BE49-F238E27FC236}">
+                <a16:creationId xmlns:a16="http://schemas.microsoft.com/office/drawing/2014/main" id="{F08FEB6F-5215-EBCE-FBB4-391D5F41D388}"/>
+              </a:ext>
+            </a:extLst>
+          </p:cNvPr>
+          <p:cNvSpPr txBox="1"/>
+          <p:nvPr/>
+        </p:nvSpPr>
+        <p:spPr>
+          <a:xfrm>
+            <a:off x="3094182" y="360218"/>
+            <a:ext cx="6003636" cy="553998"/>
+          </a:xfrm>
+          <a:prstGeom prst="rect">
+            <a:avLst/>
+          </a:prstGeom>
+          <a:noFill/>
+        </p:spPr>
+        <p:txBody>
+          <a:bodyPr wrap="square" rtlCol="0">
+            <a:spAutoFit/>
+          </a:bodyPr>
+          <a:lstStyle/>
+          <a:p>
+            <a:pPr algn="ctr"/>
+            <a:r>
+              <a:rPr kumimoji="1" lang="en-US" altLang="ko-Kore-KR" sz="3000" b="1" dirty="0"/>
+              <a:t>Back End API </a:t>
+            </a:r>
+            <a:r>
+              <a:rPr kumimoji="1" lang="ko-Kore-KR" altLang="en-US" sz="3000" b="1" dirty="0"/>
+              <a:t>문서</a:t>
+            </a:r>
+          </a:p>
+        </p:txBody>
+      </p:sp>
+      <p:pic>
+        <p:nvPicPr>
+          <p:cNvPr id="4" name="그림 3" descr="텍스트, 스크린샷이(가) 표시된 사진&#10;&#10;자동 생성된 설명">
+            <a:extLst>
+              <a:ext uri="{FF2B5EF4-FFF2-40B4-BE49-F238E27FC236}">
+                <a16:creationId xmlns:a16="http://schemas.microsoft.com/office/drawing/2014/main" id="{131104F7-4058-C6E8-AC86-52F857FABC5C}"/>
+              </a:ext>
+            </a:extLst>
+          </p:cNvPr>
+          <p:cNvPicPr>
+            <a:picLocks noChangeAspect="1"/>
+          </p:cNvPicPr>
+          <p:nvPr/>
+        </p:nvPicPr>
+        <p:blipFill>
+          <a:blip r:embed="rId3"/>
+          <a:stretch>
+            <a:fillRect/>
+          </a:stretch>
+        </p:blipFill>
+        <p:spPr>
+          <a:xfrm>
+            <a:off x="2209800" y="1319547"/>
+            <a:ext cx="7772400" cy="5178235"/>
+          </a:xfrm>
+          <a:prstGeom prst="rect">
+            <a:avLst/>
+          </a:prstGeom>
+        </p:spPr>
+      </p:pic>
+    </p:spTree>
+    <p:extLst>
+      <p:ext uri="{BB962C8B-B14F-4D97-AF65-F5344CB8AC3E}">
+        <p14:creationId xmlns:p14="http://schemas.microsoft.com/office/powerpoint/2010/main" val="4057305403"/>
+      </p:ext>
+    </p:extLst>
+  </p:cSld>
+  <p:clrMapOvr>
+    <a:masterClrMapping/>
+  </p:clrMapOvr>
+</p:sld>
+</file>
+
+<file path=ppt/slides/slide12.xml><?xml version="1.0" encoding="utf-8"?>
+<p:sld xmlns:a="http://schemas.openxmlformats.org/drawingml/2006/main" xmlns:r="http://schemas.openxmlformats.org/officeDocument/2006/relationships" xmlns:p="http://schemas.openxmlformats.org/presentationml/2006/main">
+  <p:cSld>
+    <p:spTree>
+      <p:nvGrpSpPr>
+        <p:cNvPr id="1" name=""/>
+        <p:cNvGrpSpPr/>
+        <p:nvPr/>
+      </p:nvGrpSpPr>
+      <p:grpSpPr>
+        <a:xfrm>
+          <a:off x="0" y="0"/>
+          <a:ext cx="0" cy="0"/>
+          <a:chOff x="0" y="0"/>
+          <a:chExt cx="0" cy="0"/>
+        </a:xfrm>
+      </p:grpSpPr>
+      <p:sp>
+        <p:nvSpPr>
+          <p:cNvPr id="2" name="TextBox 1">
+            <a:extLst>
+              <a:ext uri="{FF2B5EF4-FFF2-40B4-BE49-F238E27FC236}">
+                <a16:creationId xmlns:a16="http://schemas.microsoft.com/office/drawing/2014/main" id="{F08FEB6F-5215-EBCE-FBB4-391D5F41D388}"/>
+              </a:ext>
+            </a:extLst>
+          </p:cNvPr>
+          <p:cNvSpPr txBox="1"/>
+          <p:nvPr/>
+        </p:nvSpPr>
+        <p:spPr>
+          <a:xfrm>
+            <a:off x="3094182" y="360218"/>
+            <a:ext cx="6003636" cy="553998"/>
+          </a:xfrm>
+          <a:prstGeom prst="rect">
+            <a:avLst/>
+          </a:prstGeom>
+          <a:noFill/>
+        </p:spPr>
+        <p:txBody>
+          <a:bodyPr wrap="square" rtlCol="0">
+            <a:spAutoFit/>
+          </a:bodyPr>
+          <a:lstStyle/>
+          <a:p>
+            <a:pPr algn="ctr"/>
+            <a:r>
+              <a:rPr kumimoji="1" lang="en-US" altLang="ko-Kore-KR" sz="3000" b="1" dirty="0"/>
+              <a:t>Back End API </a:t>
+            </a:r>
+            <a:r>
+              <a:rPr kumimoji="1" lang="ko-Kore-KR" altLang="en-US" sz="3000" b="1" dirty="0"/>
+              <a:t>문서</a:t>
+            </a:r>
+          </a:p>
+        </p:txBody>
+      </p:sp>
+      <p:pic>
+        <p:nvPicPr>
+          <p:cNvPr id="4" name="그림 3" descr="텍스트, 스크린샷, 소프트웨어, 폰트이(가) 표시된 사진&#10;&#10;자동 생성된 설명">
+            <a:extLst>
+              <a:ext uri="{FF2B5EF4-FFF2-40B4-BE49-F238E27FC236}">
+                <a16:creationId xmlns:a16="http://schemas.microsoft.com/office/drawing/2014/main" id="{115360D9-7478-7B91-90E7-4DCED493AD78}"/>
+              </a:ext>
+            </a:extLst>
+          </p:cNvPr>
+          <p:cNvPicPr>
+            <a:picLocks noChangeAspect="1"/>
+          </p:cNvPicPr>
+          <p:nvPr/>
+        </p:nvPicPr>
+        <p:blipFill>
+          <a:blip r:embed="rId2"/>
+          <a:stretch>
+            <a:fillRect/>
+          </a:stretch>
+        </p:blipFill>
+        <p:spPr>
+          <a:xfrm>
+            <a:off x="2376668" y="914216"/>
+            <a:ext cx="7772400" cy="5191720"/>
+          </a:xfrm>
+          <a:prstGeom prst="rect">
+            <a:avLst/>
+          </a:prstGeom>
+        </p:spPr>
+      </p:pic>
+    </p:spTree>
+    <p:extLst>
+      <p:ext uri="{BB962C8B-B14F-4D97-AF65-F5344CB8AC3E}">
+        <p14:creationId xmlns:p14="http://schemas.microsoft.com/office/powerpoint/2010/main" val="1536262912"/>
+      </p:ext>
+    </p:extLst>
+  </p:cSld>
+  <p:clrMapOvr>
+    <a:masterClrMapping/>
+  </p:clrMapOvr>
+</p:sld>
+</file>
+
+<file path=ppt/slides/slide13.xml><?xml version="1.0" encoding="utf-8"?>
+<p:sld xmlns:a="http://schemas.openxmlformats.org/drawingml/2006/main" xmlns:r="http://schemas.openxmlformats.org/officeDocument/2006/relationships" xmlns:p="http://schemas.openxmlformats.org/presentationml/2006/main">
+  <p:cSld>
+    <p:spTree>
+      <p:nvGrpSpPr>
+        <p:cNvPr id="1" name=""/>
+        <p:cNvGrpSpPr/>
+        <p:nvPr/>
+      </p:nvGrpSpPr>
+      <p:grpSpPr>
+        <a:xfrm>
+          <a:off x="0" y="0"/>
+          <a:ext cx="0" cy="0"/>
+          <a:chOff x="0" y="0"/>
+          <a:chExt cx="0" cy="0"/>
+        </a:xfrm>
+      </p:grpSpPr>
+      <p:sp>
+        <p:nvSpPr>
+          <p:cNvPr id="2" name="TextBox 1">
+            <a:extLst>
+              <a:ext uri="{FF2B5EF4-FFF2-40B4-BE49-F238E27FC236}">
+                <a16:creationId xmlns:a16="http://schemas.microsoft.com/office/drawing/2014/main" id="{FA24E663-2E96-6851-DF54-274D6A172DA1}"/>
+              </a:ext>
+            </a:extLst>
+          </p:cNvPr>
+          <p:cNvSpPr txBox="1"/>
+          <p:nvPr/>
+        </p:nvSpPr>
+        <p:spPr>
+          <a:xfrm>
+            <a:off x="3094182" y="360218"/>
+            <a:ext cx="6003636" cy="553998"/>
+          </a:xfrm>
+          <a:prstGeom prst="rect">
+            <a:avLst/>
+          </a:prstGeom>
+          <a:noFill/>
+        </p:spPr>
+        <p:txBody>
+          <a:bodyPr wrap="square" rtlCol="0">
+            <a:spAutoFit/>
+          </a:bodyPr>
+          <a:lstStyle/>
+          <a:p>
+            <a:pPr algn="ctr"/>
+            <a:r>
+              <a:rPr kumimoji="1" lang="ko-KR" altLang="en-US" sz="3000" b="1" dirty="0"/>
+              <a:t>한계점</a:t>
+            </a:r>
+            <a:endParaRPr kumimoji="1" lang="ko-Kore-KR" altLang="en-US" sz="3000" b="1" dirty="0"/>
+          </a:p>
+        </p:txBody>
+      </p:sp>
+      <p:sp>
+        <p:nvSpPr>
+          <p:cNvPr id="6" name="TextBox 5">
+            <a:extLst>
+              <a:ext uri="{FF2B5EF4-FFF2-40B4-BE49-F238E27FC236}">
+                <a16:creationId xmlns:a16="http://schemas.microsoft.com/office/drawing/2014/main" id="{04FA50FC-29C7-25A7-95DE-7153E443E88C}"/>
+              </a:ext>
+            </a:extLst>
+          </p:cNvPr>
+          <p:cNvSpPr txBox="1"/>
+          <p:nvPr/>
+        </p:nvSpPr>
+        <p:spPr>
+          <a:xfrm>
+            <a:off x="2600036" y="2413337"/>
+            <a:ext cx="6991928" cy="2277547"/>
+          </a:xfrm>
+          <a:prstGeom prst="rect">
+            <a:avLst/>
+          </a:prstGeom>
+          <a:noFill/>
+        </p:spPr>
+        <p:txBody>
+          <a:bodyPr wrap="square" rtlCol="0">
+            <a:spAutoFit/>
+          </a:bodyPr>
+          <a:lstStyle/>
+          <a:p>
+            <a:pPr marL="342900" indent="-342900">
+              <a:buFont typeface="+mj-lt"/>
+              <a:buAutoNum type="arabicPeriod"/>
+            </a:pPr>
+            <a:r>
+              <a:rPr kumimoji="1" lang="en-US" altLang="ko-KR" sz="2400" b="1" dirty="0"/>
+              <a:t>DB</a:t>
+            </a:r>
+            <a:r>
+              <a:rPr kumimoji="1" lang="ko-KR" altLang="en-US" sz="2400" b="1" dirty="0"/>
+              <a:t>의 부재</a:t>
+            </a:r>
+            <a:endParaRPr kumimoji="1" lang="en-US" altLang="ko-KR" sz="2400" b="1" dirty="0"/>
+          </a:p>
+          <a:p>
+            <a:pPr marL="742950" lvl="1" indent="-285750">
+              <a:buFont typeface="Arial" panose="020B0604020202020204" pitchFamily="34" charset="0"/>
+              <a:buChar char="•"/>
+            </a:pPr>
+            <a:r>
+              <a:rPr kumimoji="1" lang="ko-KR" altLang="en-US" dirty="0"/>
+              <a:t>현재는 </a:t>
+            </a:r>
+            <a:r>
+              <a:rPr kumimoji="1" lang="en-US" altLang="ko-KR" dirty="0"/>
+              <a:t>CSV </a:t>
+            </a:r>
+            <a:r>
+              <a:rPr kumimoji="1" lang="ko-KR" altLang="en-US" dirty="0"/>
+              <a:t>파일을 단순 저장하는 구조로 시스템 구현</a:t>
+            </a:r>
+            <a:endParaRPr kumimoji="1" lang="en-US" altLang="ko-KR" dirty="0"/>
+          </a:p>
+          <a:p>
+            <a:pPr marL="742950" lvl="1" indent="-285750">
+              <a:buFont typeface="Wingdings" pitchFamily="2" charset="2"/>
+              <a:buChar char="Ø"/>
+            </a:pPr>
+            <a:endParaRPr kumimoji="1" lang="en-US" altLang="ko-KR" dirty="0"/>
+          </a:p>
+          <a:p>
+            <a:pPr marL="742950" lvl="1" indent="-285750">
+              <a:buFont typeface="Wingdings" pitchFamily="2" charset="2"/>
+              <a:buChar char="Ø"/>
+            </a:pPr>
+            <a:endParaRPr kumimoji="1" lang="en-US" altLang="ko-KR" dirty="0"/>
+          </a:p>
+          <a:p>
+            <a:pPr marL="342900" indent="-342900">
+              <a:buFont typeface="+mj-lt"/>
+              <a:buAutoNum type="arabicPeriod"/>
+            </a:pPr>
+            <a:r>
+              <a:rPr kumimoji="1" lang="ko-KR" altLang="en-US" sz="2400" b="1" dirty="0"/>
+              <a:t>서비스 범위의 한계점</a:t>
+            </a:r>
+            <a:endParaRPr kumimoji="1" lang="en-US" altLang="ko-KR" sz="2400" b="1" dirty="0"/>
+          </a:p>
+          <a:p>
+            <a:pPr marL="742950" lvl="1" indent="-285750">
+              <a:buFont typeface="Arial" panose="020B0604020202020204" pitchFamily="34" charset="0"/>
+              <a:buChar char="•"/>
+            </a:pPr>
+            <a:r>
+              <a:rPr kumimoji="1" lang="ko-KR" altLang="en-US" dirty="0"/>
+              <a:t>유저 관리 시스템의 부재 </a:t>
+            </a:r>
+            <a:endParaRPr kumimoji="1" lang="en-US" altLang="ko-KR" dirty="0"/>
+          </a:p>
+          <a:p>
+            <a:pPr marL="742950" lvl="1" indent="-285750">
+              <a:buFont typeface="Arial" panose="020B0604020202020204" pitchFamily="34" charset="0"/>
+              <a:buChar char="•"/>
+            </a:pPr>
+            <a:r>
+              <a:rPr kumimoji="1" lang="ko-KR" altLang="en-US" dirty="0"/>
+              <a:t>따라서</a:t>
+            </a:r>
+            <a:r>
+              <a:rPr kumimoji="1" lang="en-US" altLang="ko-KR" dirty="0"/>
+              <a:t>,</a:t>
+            </a:r>
+            <a:r>
+              <a:rPr kumimoji="1" lang="ko-KR" altLang="en-US" dirty="0"/>
+              <a:t> 시나리오 폴더와 결과 폴더가 하나만 존재함</a:t>
+            </a:r>
+            <a:r>
+              <a:rPr kumimoji="1" lang="en-US" altLang="ko-KR" dirty="0"/>
+              <a:t>.</a:t>
+            </a:r>
+          </a:p>
+        </p:txBody>
+      </p:sp>
+    </p:spTree>
+    <p:extLst>
+      <p:ext uri="{BB962C8B-B14F-4D97-AF65-F5344CB8AC3E}">
+        <p14:creationId xmlns:p14="http://schemas.microsoft.com/office/powerpoint/2010/main" val="2985407777"/>
+      </p:ext>
+    </p:extLst>
+  </p:cSld>
+  <p:clrMapOvr>
+    <a:masterClrMapping/>
+  </p:clrMapOvr>
+</p:sld>
+</file>
+
 <file path=ppt/slides/slide2.xml><?xml version="1.0" encoding="utf-8"?>
 <p:sld xmlns:a="http://schemas.openxmlformats.org/drawingml/2006/main" xmlns:r="http://schemas.openxmlformats.org/officeDocument/2006/relationships" xmlns:p="http://schemas.openxmlformats.org/presentationml/2006/main">
   <p:cSld>
@@ -7501,64 +8499,777 @@
           <a:chExt cx="0" cy="0"/>
         </a:xfrm>
       </p:grpSpPr>
-      <p:sp>
-        <p:nvSpPr>
-          <p:cNvPr id="2" name="TextBox 1">
-            <a:extLst>
-              <a:ext uri="{FF2B5EF4-FFF2-40B4-BE49-F238E27FC236}">
-                <a16:creationId xmlns:a16="http://schemas.microsoft.com/office/drawing/2014/main" id="{FA24E663-2E96-6851-DF54-274D6A172DA1}"/>
-              </a:ext>
-            </a:extLst>
-          </p:cNvPr>
-          <p:cNvSpPr txBox="1"/>
+      <p:pic>
+        <p:nvPicPr>
+          <p:cNvPr id="12" name="그림 11" descr="텍스트, 스크린샷, 폰트, 번호이(가) 표시된 사진&#10;&#10;자동 생성된 설명">
+            <a:extLst>
+              <a:ext uri="{FF2B5EF4-FFF2-40B4-BE49-F238E27FC236}">
+                <a16:creationId xmlns:a16="http://schemas.microsoft.com/office/drawing/2014/main" id="{D94EE041-522A-70AB-17A4-644DCD0EC9AA}"/>
+              </a:ext>
+            </a:extLst>
+          </p:cNvPr>
+          <p:cNvPicPr>
+            <a:picLocks noChangeAspect="1"/>
+          </p:cNvPicPr>
           <p:nvPr/>
-        </p:nvSpPr>
-        <p:spPr>
-          <a:xfrm>
-            <a:off x="3094182" y="360218"/>
-            <a:ext cx="6003636" cy="553998"/>
+        </p:nvPicPr>
+        <p:blipFill>
+          <a:blip r:embed="rId2"/>
+          <a:stretch>
+            <a:fillRect/>
+          </a:stretch>
+        </p:blipFill>
+        <p:spPr>
+          <a:xfrm>
+            <a:off x="2080146" y="1839545"/>
+            <a:ext cx="7772400" cy="3731604"/>
+          </a:xfrm>
+          <a:prstGeom prst="rect">
+            <a:avLst/>
+          </a:prstGeom>
+        </p:spPr>
+      </p:pic>
+      <p:sp>
+        <p:nvSpPr>
+          <p:cNvPr id="4" name="설명선 1[L] 3">
+            <a:extLst>
+              <a:ext uri="{FF2B5EF4-FFF2-40B4-BE49-F238E27FC236}">
+                <a16:creationId xmlns:a16="http://schemas.microsoft.com/office/drawing/2014/main" id="{45E770B6-D555-CF5C-473C-EE5AFC318126}"/>
+              </a:ext>
+            </a:extLst>
+          </p:cNvPr>
+          <p:cNvSpPr/>
+          <p:nvPr/>
+        </p:nvSpPr>
+        <p:spPr>
+          <a:xfrm>
+            <a:off x="4822719" y="1097098"/>
+            <a:ext cx="1367065" cy="452176"/>
+          </a:xfrm>
+          <a:prstGeom prst="borderCallout1">
+            <a:avLst>
+              <a:gd name="adj1" fmla="val 52145"/>
+              <a:gd name="adj2" fmla="val 232"/>
+              <a:gd name="adj3" fmla="val 201573"/>
+              <a:gd name="adj4" fmla="val -22444"/>
+            </a:avLst>
+          </a:prstGeom>
+          <a:noFill/>
+        </p:spPr>
+        <p:style>
+          <a:lnRef idx="2">
+            <a:schemeClr val="accent1">
+              <a:shade val="15000"/>
+            </a:schemeClr>
+          </a:lnRef>
+          <a:fillRef idx="1">
+            <a:schemeClr val="accent1"/>
+          </a:fillRef>
+          <a:effectRef idx="0">
+            <a:schemeClr val="accent1"/>
+          </a:effectRef>
+          <a:fontRef idx="minor">
+            <a:schemeClr val="lt1"/>
+          </a:fontRef>
+        </p:style>
+        <p:txBody>
+          <a:bodyPr rtlCol="0" anchor="ctr"/>
+          <a:lstStyle/>
+          <a:p>
+            <a:pPr algn="ctr"/>
+            <a:r>
+              <a:rPr kumimoji="1" lang="en-US" altLang="ko-KR" sz="1500" dirty="0">
+                <a:solidFill>
+                  <a:schemeClr val="tx1"/>
+                </a:solidFill>
+              </a:rPr>
+              <a:t>File </a:t>
+            </a:r>
+            <a:r>
+              <a:rPr kumimoji="1" lang="ko-KR" altLang="en-US" sz="1500" dirty="0">
+                <a:solidFill>
+                  <a:schemeClr val="tx1"/>
+                </a:solidFill>
+              </a:rPr>
+              <a:t>선택 버튼</a:t>
+            </a:r>
+            <a:endParaRPr kumimoji="1" lang="ko-Kore-KR" altLang="en-US" sz="1500" dirty="0"/>
+          </a:p>
+        </p:txBody>
+      </p:sp>
+      <p:sp>
+        <p:nvSpPr>
+          <p:cNvPr id="5" name="직사각형 4">
+            <a:extLst>
+              <a:ext uri="{FF2B5EF4-FFF2-40B4-BE49-F238E27FC236}">
+                <a16:creationId xmlns:a16="http://schemas.microsoft.com/office/drawing/2014/main" id="{59DAD6BD-9381-5B4E-B3B1-7068180D36EF}"/>
+              </a:ext>
+            </a:extLst>
+          </p:cNvPr>
+          <p:cNvSpPr/>
+          <p:nvPr/>
+        </p:nvSpPr>
+        <p:spPr>
+          <a:xfrm>
+            <a:off x="4260501" y="2019720"/>
+            <a:ext cx="793820" cy="313142"/>
           </a:xfrm>
           <a:prstGeom prst="rect">
             <a:avLst/>
           </a:prstGeom>
           <a:noFill/>
-        </p:spPr>
-        <p:txBody>
-          <a:bodyPr wrap="square" rtlCol="0">
-            <a:spAutoFit/>
-          </a:bodyPr>
+          <a:ln w="44450">
+            <a:solidFill>
+              <a:srgbClr val="FF0000"/>
+            </a:solidFill>
+          </a:ln>
+        </p:spPr>
+        <p:style>
+          <a:lnRef idx="2">
+            <a:schemeClr val="accent1">
+              <a:shade val="15000"/>
+            </a:schemeClr>
+          </a:lnRef>
+          <a:fillRef idx="1">
+            <a:schemeClr val="accent1"/>
+          </a:fillRef>
+          <a:effectRef idx="0">
+            <a:schemeClr val="accent1"/>
+          </a:effectRef>
+          <a:fontRef idx="minor">
+            <a:schemeClr val="lt1"/>
+          </a:fontRef>
+        </p:style>
+        <p:txBody>
+          <a:bodyPr rtlCol="0" anchor="ctr"/>
           <a:lstStyle/>
           <a:p>
             <a:pPr algn="ctr"/>
-            <a:r>
-              <a:rPr kumimoji="1" lang="ko-KR" altLang="en-US" sz="3000" b="1" dirty="0"/>
-              <a:t>한계점</a:t>
-            </a:r>
-            <a:endParaRPr kumimoji="1" lang="ko-Kore-KR" altLang="en-US" sz="3000" b="1" dirty="0"/>
-          </a:p>
-        </p:txBody>
-      </p:sp>
-      <p:sp>
-        <p:nvSpPr>
-          <p:cNvPr id="6" name="TextBox 5">
-            <a:extLst>
-              <a:ext uri="{FF2B5EF4-FFF2-40B4-BE49-F238E27FC236}">
-                <a16:creationId xmlns:a16="http://schemas.microsoft.com/office/drawing/2014/main" id="{04FA50FC-29C7-25A7-95DE-7153E443E88C}"/>
-              </a:ext>
-            </a:extLst>
-          </p:cNvPr>
-          <p:cNvSpPr txBox="1"/>
+            <a:endParaRPr kumimoji="1" lang="ko-Kore-KR" altLang="en-US"/>
+          </a:p>
+        </p:txBody>
+      </p:sp>
+      <p:sp>
+        <p:nvSpPr>
+          <p:cNvPr id="8" name="직사각형 7">
+            <a:extLst>
+              <a:ext uri="{FF2B5EF4-FFF2-40B4-BE49-F238E27FC236}">
+                <a16:creationId xmlns:a16="http://schemas.microsoft.com/office/drawing/2014/main" id="{1FAA4DAA-E04B-D282-C8DF-62A6035D2332}"/>
+              </a:ext>
+            </a:extLst>
+          </p:cNvPr>
+          <p:cNvSpPr/>
           <p:nvPr/>
         </p:nvSpPr>
         <p:spPr>
           <a:xfrm>
-            <a:off x="2600036" y="2413337"/>
-            <a:ext cx="6991928" cy="2277547"/>
+            <a:off x="7137681" y="2049866"/>
+            <a:ext cx="689985" cy="313142"/>
           </a:xfrm>
           <a:prstGeom prst="rect">
             <a:avLst/>
           </a:prstGeom>
           <a:noFill/>
+          <a:ln w="44450">
+            <a:solidFill>
+              <a:srgbClr val="FF0000"/>
+            </a:solidFill>
+          </a:ln>
+        </p:spPr>
+        <p:style>
+          <a:lnRef idx="2">
+            <a:schemeClr val="accent1">
+              <a:shade val="15000"/>
+            </a:schemeClr>
+          </a:lnRef>
+          <a:fillRef idx="1">
+            <a:schemeClr val="accent1"/>
+          </a:fillRef>
+          <a:effectRef idx="0">
+            <a:schemeClr val="accent1"/>
+          </a:effectRef>
+          <a:fontRef idx="minor">
+            <a:schemeClr val="lt1"/>
+          </a:fontRef>
+        </p:style>
+        <p:txBody>
+          <a:bodyPr rtlCol="0" anchor="ctr"/>
+          <a:lstStyle/>
+          <a:p>
+            <a:pPr algn="ctr"/>
+            <a:endParaRPr kumimoji="1" lang="ko-Kore-KR" altLang="en-US"/>
+          </a:p>
+        </p:txBody>
+      </p:sp>
+      <p:sp>
+        <p:nvSpPr>
+          <p:cNvPr id="9" name="직사각형 8">
+            <a:extLst>
+              <a:ext uri="{FF2B5EF4-FFF2-40B4-BE49-F238E27FC236}">
+                <a16:creationId xmlns:a16="http://schemas.microsoft.com/office/drawing/2014/main" id="{1124E37D-6241-6E32-A0FD-B37CDDF58912}"/>
+              </a:ext>
+            </a:extLst>
+          </p:cNvPr>
+          <p:cNvSpPr/>
+          <p:nvPr/>
+        </p:nvSpPr>
+        <p:spPr>
+          <a:xfrm>
+            <a:off x="2339454" y="2564005"/>
+            <a:ext cx="574568" cy="313142"/>
+          </a:xfrm>
+          <a:prstGeom prst="rect">
+            <a:avLst/>
+          </a:prstGeom>
+          <a:noFill/>
+          <a:ln w="44450">
+            <a:solidFill>
+              <a:srgbClr val="FF0000"/>
+            </a:solidFill>
+          </a:ln>
+        </p:spPr>
+        <p:style>
+          <a:lnRef idx="2">
+            <a:schemeClr val="accent1">
+              <a:shade val="15000"/>
+            </a:schemeClr>
+          </a:lnRef>
+          <a:fillRef idx="1">
+            <a:schemeClr val="accent1"/>
+          </a:fillRef>
+          <a:effectRef idx="0">
+            <a:schemeClr val="accent1"/>
+          </a:effectRef>
+          <a:fontRef idx="minor">
+            <a:schemeClr val="lt1"/>
+          </a:fontRef>
+        </p:style>
+        <p:txBody>
+          <a:bodyPr rtlCol="0" anchor="ctr"/>
+          <a:lstStyle/>
+          <a:p>
+            <a:pPr algn="ctr"/>
+            <a:endParaRPr kumimoji="1" lang="ko-Kore-KR" altLang="en-US"/>
+          </a:p>
+        </p:txBody>
+      </p:sp>
+      <p:sp>
+        <p:nvSpPr>
+          <p:cNvPr id="10" name="직사각형 9">
+            <a:extLst>
+              <a:ext uri="{FF2B5EF4-FFF2-40B4-BE49-F238E27FC236}">
+                <a16:creationId xmlns:a16="http://schemas.microsoft.com/office/drawing/2014/main" id="{4F2DD97D-7C19-2B13-88B7-EAAC10701197}"/>
+              </a:ext>
+            </a:extLst>
+          </p:cNvPr>
+          <p:cNvSpPr/>
+          <p:nvPr/>
+        </p:nvSpPr>
+        <p:spPr>
+          <a:xfrm>
+            <a:off x="2339454" y="4000950"/>
+            <a:ext cx="443939" cy="313142"/>
+          </a:xfrm>
+          <a:prstGeom prst="rect">
+            <a:avLst/>
+          </a:prstGeom>
+          <a:noFill/>
+          <a:ln w="44450">
+            <a:solidFill>
+              <a:srgbClr val="FF0000"/>
+            </a:solidFill>
+          </a:ln>
+        </p:spPr>
+        <p:style>
+          <a:lnRef idx="2">
+            <a:schemeClr val="accent1">
+              <a:shade val="15000"/>
+            </a:schemeClr>
+          </a:lnRef>
+          <a:fillRef idx="1">
+            <a:schemeClr val="accent1"/>
+          </a:fillRef>
+          <a:effectRef idx="0">
+            <a:schemeClr val="accent1"/>
+          </a:effectRef>
+          <a:fontRef idx="minor">
+            <a:schemeClr val="lt1"/>
+          </a:fontRef>
+        </p:style>
+        <p:txBody>
+          <a:bodyPr rtlCol="0" anchor="ctr"/>
+          <a:lstStyle/>
+          <a:p>
+            <a:pPr algn="ctr"/>
+            <a:endParaRPr kumimoji="1" lang="ko-Kore-KR" altLang="en-US"/>
+          </a:p>
+        </p:txBody>
+      </p:sp>
+      <p:sp>
+        <p:nvSpPr>
+          <p:cNvPr id="13" name="직사각형 12">
+            <a:extLst>
+              <a:ext uri="{FF2B5EF4-FFF2-40B4-BE49-F238E27FC236}">
+                <a16:creationId xmlns:a16="http://schemas.microsoft.com/office/drawing/2014/main" id="{36F107AF-178C-E8F9-AD3A-63695AC02689}"/>
+              </a:ext>
+            </a:extLst>
+          </p:cNvPr>
+          <p:cNvSpPr/>
+          <p:nvPr/>
+        </p:nvSpPr>
+        <p:spPr>
+          <a:xfrm>
+            <a:off x="2339454" y="4506433"/>
+            <a:ext cx="1107131" cy="313142"/>
+          </a:xfrm>
+          <a:prstGeom prst="rect">
+            <a:avLst/>
+          </a:prstGeom>
+          <a:noFill/>
+          <a:ln w="44450">
+            <a:solidFill>
+              <a:srgbClr val="FF0000"/>
+            </a:solidFill>
+          </a:ln>
+        </p:spPr>
+        <p:style>
+          <a:lnRef idx="2">
+            <a:schemeClr val="accent1">
+              <a:shade val="15000"/>
+            </a:schemeClr>
+          </a:lnRef>
+          <a:fillRef idx="1">
+            <a:schemeClr val="accent1"/>
+          </a:fillRef>
+          <a:effectRef idx="0">
+            <a:schemeClr val="accent1"/>
+          </a:effectRef>
+          <a:fontRef idx="minor">
+            <a:schemeClr val="lt1"/>
+          </a:fontRef>
+        </p:style>
+        <p:txBody>
+          <a:bodyPr rtlCol="0" anchor="ctr"/>
+          <a:lstStyle/>
+          <a:p>
+            <a:pPr algn="ctr"/>
+            <a:endParaRPr kumimoji="1" lang="ko-Kore-KR" altLang="en-US"/>
+          </a:p>
+        </p:txBody>
+      </p:sp>
+      <p:sp>
+        <p:nvSpPr>
+          <p:cNvPr id="14" name="직사각형 13">
+            <a:extLst>
+              <a:ext uri="{FF2B5EF4-FFF2-40B4-BE49-F238E27FC236}">
+                <a16:creationId xmlns:a16="http://schemas.microsoft.com/office/drawing/2014/main" id="{47B65B6B-8E97-6BA0-AD46-67EE6E6FD658}"/>
+              </a:ext>
+            </a:extLst>
+          </p:cNvPr>
+          <p:cNvSpPr/>
+          <p:nvPr/>
+        </p:nvSpPr>
+        <p:spPr>
+          <a:xfrm>
+            <a:off x="2339453" y="5011916"/>
+            <a:ext cx="1177470" cy="313142"/>
+          </a:xfrm>
+          <a:prstGeom prst="rect">
+            <a:avLst/>
+          </a:prstGeom>
+          <a:noFill/>
+          <a:ln w="44450">
+            <a:solidFill>
+              <a:srgbClr val="FF0000"/>
+            </a:solidFill>
+          </a:ln>
+        </p:spPr>
+        <p:style>
+          <a:lnRef idx="2">
+            <a:schemeClr val="accent1">
+              <a:shade val="15000"/>
+            </a:schemeClr>
+          </a:lnRef>
+          <a:fillRef idx="1">
+            <a:schemeClr val="accent1"/>
+          </a:fillRef>
+          <a:effectRef idx="0">
+            <a:schemeClr val="accent1"/>
+          </a:effectRef>
+          <a:fontRef idx="minor">
+            <a:schemeClr val="lt1"/>
+          </a:fontRef>
+        </p:style>
+        <p:txBody>
+          <a:bodyPr rtlCol="0" anchor="ctr"/>
+          <a:lstStyle/>
+          <a:p>
+            <a:pPr algn="ctr"/>
+            <a:endParaRPr kumimoji="1" lang="ko-Kore-KR" altLang="en-US"/>
+          </a:p>
+        </p:txBody>
+      </p:sp>
+      <p:sp>
+        <p:nvSpPr>
+          <p:cNvPr id="17" name="설명선 1[L] 16">
+            <a:extLst>
+              <a:ext uri="{FF2B5EF4-FFF2-40B4-BE49-F238E27FC236}">
+                <a16:creationId xmlns:a16="http://schemas.microsoft.com/office/drawing/2014/main" id="{8E415000-F81E-B3DC-69D5-691467973DBD}"/>
+              </a:ext>
+            </a:extLst>
+          </p:cNvPr>
+          <p:cNvSpPr/>
+          <p:nvPr/>
+        </p:nvSpPr>
+        <p:spPr>
+          <a:xfrm>
+            <a:off x="7784123" y="1137290"/>
+            <a:ext cx="1367065" cy="452176"/>
+          </a:xfrm>
+          <a:prstGeom prst="borderCallout1">
+            <a:avLst>
+              <a:gd name="adj1" fmla="val 52145"/>
+              <a:gd name="adj2" fmla="val 232"/>
+              <a:gd name="adj3" fmla="val 201573"/>
+              <a:gd name="adj4" fmla="val -22444"/>
+            </a:avLst>
+          </a:prstGeom>
+          <a:noFill/>
+        </p:spPr>
+        <p:style>
+          <a:lnRef idx="2">
+            <a:schemeClr val="accent1">
+              <a:shade val="15000"/>
+            </a:schemeClr>
+          </a:lnRef>
+          <a:fillRef idx="1">
+            <a:schemeClr val="accent1"/>
+          </a:fillRef>
+          <a:effectRef idx="0">
+            <a:schemeClr val="accent1"/>
+          </a:effectRef>
+          <a:fontRef idx="minor">
+            <a:schemeClr val="lt1"/>
+          </a:fontRef>
+        </p:style>
+        <p:txBody>
+          <a:bodyPr rtlCol="0" anchor="ctr"/>
+          <a:lstStyle/>
+          <a:p>
+            <a:pPr algn="ctr"/>
+            <a:r>
+              <a:rPr kumimoji="1" lang="ko-KR" altLang="en-US" sz="1500" dirty="0">
+                <a:solidFill>
+                  <a:schemeClr val="tx1"/>
+                </a:solidFill>
+              </a:rPr>
+              <a:t>선택된 </a:t>
+            </a:r>
+            <a:r>
+              <a:rPr kumimoji="1" lang="en-US" altLang="ko-KR" sz="1500" dirty="0">
+                <a:solidFill>
+                  <a:schemeClr val="tx1"/>
+                </a:solidFill>
+              </a:rPr>
+              <a:t>file upload </a:t>
+            </a:r>
+            <a:r>
+              <a:rPr kumimoji="1" lang="ko-KR" altLang="en-US" sz="1500" dirty="0">
+                <a:solidFill>
+                  <a:schemeClr val="tx1"/>
+                </a:solidFill>
+              </a:rPr>
+              <a:t>버튼</a:t>
+            </a:r>
+            <a:endParaRPr kumimoji="1" lang="ko-Kore-KR" altLang="en-US" sz="1500" dirty="0"/>
+          </a:p>
+        </p:txBody>
+      </p:sp>
+      <p:sp>
+        <p:nvSpPr>
+          <p:cNvPr id="18" name="설명선 1[L] 17">
+            <a:extLst>
+              <a:ext uri="{FF2B5EF4-FFF2-40B4-BE49-F238E27FC236}">
+                <a16:creationId xmlns:a16="http://schemas.microsoft.com/office/drawing/2014/main" id="{8D505FAB-B0C7-D23C-55CC-FB91567474C0}"/>
+              </a:ext>
+            </a:extLst>
+          </p:cNvPr>
+          <p:cNvSpPr/>
+          <p:nvPr/>
+        </p:nvSpPr>
+        <p:spPr>
+          <a:xfrm>
+            <a:off x="2763052" y="1628497"/>
+            <a:ext cx="1497449" cy="452176"/>
+          </a:xfrm>
+          <a:prstGeom prst="borderCallout1">
+            <a:avLst>
+              <a:gd name="adj1" fmla="val 52145"/>
+              <a:gd name="adj2" fmla="val 232"/>
+              <a:gd name="adj3" fmla="val 201573"/>
+              <a:gd name="adj4" fmla="val -22444"/>
+            </a:avLst>
+          </a:prstGeom>
+          <a:noFill/>
+        </p:spPr>
+        <p:style>
+          <a:lnRef idx="2">
+            <a:schemeClr val="accent1">
+              <a:shade val="15000"/>
+            </a:schemeClr>
+          </a:lnRef>
+          <a:fillRef idx="1">
+            <a:schemeClr val="accent1"/>
+          </a:fillRef>
+          <a:effectRef idx="0">
+            <a:schemeClr val="accent1"/>
+          </a:effectRef>
+          <a:fontRef idx="minor">
+            <a:schemeClr val="lt1"/>
+          </a:fontRef>
+        </p:style>
+        <p:txBody>
+          <a:bodyPr rtlCol="0" anchor="ctr"/>
+          <a:lstStyle/>
+          <a:p>
+            <a:pPr algn="ctr"/>
+            <a:r>
+              <a:rPr kumimoji="1" lang="en-US" altLang="ko-KR" sz="1500" dirty="0">
+                <a:solidFill>
+                  <a:schemeClr val="tx1"/>
+                </a:solidFill>
+              </a:rPr>
+              <a:t>File </a:t>
+            </a:r>
+            <a:r>
+              <a:rPr kumimoji="1" lang="ko-KR" altLang="en-US" sz="1500" dirty="0">
+                <a:solidFill>
+                  <a:schemeClr val="tx1"/>
+                </a:solidFill>
+              </a:rPr>
+              <a:t>초기화 버튼</a:t>
+            </a:r>
+            <a:endParaRPr kumimoji="1" lang="ko-Kore-KR" altLang="en-US" sz="1500" dirty="0"/>
+          </a:p>
+        </p:txBody>
+      </p:sp>
+      <p:sp>
+        <p:nvSpPr>
+          <p:cNvPr id="19" name="설명선 1[L] 18">
+            <a:extLst>
+              <a:ext uri="{FF2B5EF4-FFF2-40B4-BE49-F238E27FC236}">
+                <a16:creationId xmlns:a16="http://schemas.microsoft.com/office/drawing/2014/main" id="{286CBDCE-C6DA-1E6B-2B73-3C8D01C1C7CD}"/>
+              </a:ext>
+            </a:extLst>
+          </p:cNvPr>
+          <p:cNvSpPr/>
+          <p:nvPr/>
+        </p:nvSpPr>
+        <p:spPr>
+          <a:xfrm>
+            <a:off x="160774" y="2976824"/>
+            <a:ext cx="1508927" cy="452176"/>
+          </a:xfrm>
+          <a:prstGeom prst="borderCallout1">
+            <a:avLst>
+              <a:gd name="adj1" fmla="val 52145"/>
+              <a:gd name="adj2" fmla="val 99461"/>
+              <a:gd name="adj3" fmla="val 268239"/>
+              <a:gd name="adj4" fmla="val 147348"/>
+            </a:avLst>
+          </a:prstGeom>
+          <a:noFill/>
+        </p:spPr>
+        <p:style>
+          <a:lnRef idx="2">
+            <a:schemeClr val="accent1">
+              <a:shade val="15000"/>
+            </a:schemeClr>
+          </a:lnRef>
+          <a:fillRef idx="1">
+            <a:schemeClr val="accent1"/>
+          </a:fillRef>
+          <a:effectRef idx="0">
+            <a:schemeClr val="accent1"/>
+          </a:effectRef>
+          <a:fontRef idx="minor">
+            <a:schemeClr val="lt1"/>
+          </a:fontRef>
+        </p:style>
+        <p:txBody>
+          <a:bodyPr rtlCol="0" anchor="ctr"/>
+          <a:lstStyle/>
+          <a:p>
+            <a:pPr algn="ctr"/>
+            <a:r>
+              <a:rPr kumimoji="1" lang="ko-KR" altLang="en-US" sz="1500" dirty="0">
+                <a:solidFill>
+                  <a:schemeClr val="tx1"/>
+                </a:solidFill>
+              </a:rPr>
+              <a:t>선택된 </a:t>
+            </a:r>
+            <a:r>
+              <a:rPr kumimoji="1" lang="en-US" altLang="ko-KR" sz="1500" dirty="0">
+                <a:solidFill>
+                  <a:schemeClr val="tx1"/>
+                </a:solidFill>
+              </a:rPr>
+              <a:t>file</a:t>
+            </a:r>
+            <a:r>
+              <a:rPr kumimoji="1" lang="ko-KR" altLang="en-US" sz="1500" dirty="0">
+                <a:solidFill>
+                  <a:schemeClr val="tx1"/>
+                </a:solidFill>
+              </a:rPr>
+              <a:t>만 삭제하는 버튼</a:t>
+            </a:r>
+            <a:endParaRPr kumimoji="1" lang="ko-Kore-KR" altLang="en-US" sz="1500" dirty="0"/>
+          </a:p>
+        </p:txBody>
+      </p:sp>
+      <p:sp>
+        <p:nvSpPr>
+          <p:cNvPr id="20" name="설명선 1[L] 19">
+            <a:extLst>
+              <a:ext uri="{FF2B5EF4-FFF2-40B4-BE49-F238E27FC236}">
+                <a16:creationId xmlns:a16="http://schemas.microsoft.com/office/drawing/2014/main" id="{C835CA05-34B6-49D9-91B2-6B30239A3AD3}"/>
+              </a:ext>
+            </a:extLst>
+          </p:cNvPr>
+          <p:cNvSpPr/>
+          <p:nvPr/>
+        </p:nvSpPr>
+        <p:spPr>
+          <a:xfrm>
+            <a:off x="3879848" y="3861916"/>
+            <a:ext cx="1367065" cy="452176"/>
+          </a:xfrm>
+          <a:prstGeom prst="borderCallout1">
+            <a:avLst>
+              <a:gd name="adj1" fmla="val 52145"/>
+              <a:gd name="adj2" fmla="val 232"/>
+              <a:gd name="adj3" fmla="val 181573"/>
+              <a:gd name="adj4" fmla="val -31264"/>
+            </a:avLst>
+          </a:prstGeom>
+          <a:noFill/>
+        </p:spPr>
+        <p:style>
+          <a:lnRef idx="2">
+            <a:schemeClr val="accent1">
+              <a:shade val="15000"/>
+            </a:schemeClr>
+          </a:lnRef>
+          <a:fillRef idx="1">
+            <a:schemeClr val="accent1"/>
+          </a:fillRef>
+          <a:effectRef idx="0">
+            <a:schemeClr val="accent1"/>
+          </a:effectRef>
+          <a:fontRef idx="minor">
+            <a:schemeClr val="lt1"/>
+          </a:fontRef>
+        </p:style>
+        <p:txBody>
+          <a:bodyPr rtlCol="0" anchor="ctr"/>
+          <a:lstStyle/>
+          <a:p>
+            <a:pPr algn="ctr"/>
+            <a:r>
+              <a:rPr kumimoji="1" lang="ko-KR" altLang="en-US" sz="1500" dirty="0">
+                <a:solidFill>
+                  <a:schemeClr val="tx1"/>
+                </a:solidFill>
+              </a:rPr>
+              <a:t>결과 테이블 보는 버튼</a:t>
+            </a:r>
+            <a:endParaRPr kumimoji="1" lang="ko-Kore-KR" altLang="en-US" sz="1500" dirty="0"/>
+          </a:p>
+        </p:txBody>
+      </p:sp>
+      <p:sp>
+        <p:nvSpPr>
+          <p:cNvPr id="21" name="설명선 1[L] 20">
+            <a:extLst>
+              <a:ext uri="{FF2B5EF4-FFF2-40B4-BE49-F238E27FC236}">
+                <a16:creationId xmlns:a16="http://schemas.microsoft.com/office/drawing/2014/main" id="{3A01E3FE-3F72-D395-D7AA-1C3504FC2714}"/>
+              </a:ext>
+            </a:extLst>
+          </p:cNvPr>
+          <p:cNvSpPr/>
+          <p:nvPr/>
+        </p:nvSpPr>
+        <p:spPr>
+          <a:xfrm>
+            <a:off x="3358310" y="5994348"/>
+            <a:ext cx="1367065" cy="452176"/>
+          </a:xfrm>
+          <a:prstGeom prst="borderCallout1">
+            <a:avLst>
+              <a:gd name="adj1" fmla="val 52145"/>
+              <a:gd name="adj2" fmla="val 232"/>
+              <a:gd name="adj3" fmla="val -147316"/>
+              <a:gd name="adj4" fmla="val -33470"/>
+            </a:avLst>
+          </a:prstGeom>
+          <a:noFill/>
+        </p:spPr>
+        <p:style>
+          <a:lnRef idx="2">
+            <a:schemeClr val="accent1">
+              <a:shade val="15000"/>
+            </a:schemeClr>
+          </a:lnRef>
+          <a:fillRef idx="1">
+            <a:schemeClr val="accent1"/>
+          </a:fillRef>
+          <a:effectRef idx="0">
+            <a:schemeClr val="accent1"/>
+          </a:effectRef>
+          <a:fontRef idx="minor">
+            <a:schemeClr val="lt1"/>
+          </a:fontRef>
+        </p:style>
+        <p:txBody>
+          <a:bodyPr rtlCol="0" anchor="ctr"/>
+          <a:lstStyle/>
+          <a:p>
+            <a:pPr algn="ctr"/>
+            <a:r>
+              <a:rPr kumimoji="1" lang="ko-KR" altLang="en-US" sz="1500" dirty="0">
+                <a:solidFill>
+                  <a:schemeClr val="tx1"/>
+                </a:solidFill>
+              </a:rPr>
+              <a:t>결과 그래프 보는 버튼</a:t>
+            </a:r>
+            <a:endParaRPr kumimoji="1" lang="ko-Kore-KR" altLang="en-US" sz="1500" dirty="0"/>
+          </a:p>
+        </p:txBody>
+      </p:sp>
+      <p:sp>
+        <p:nvSpPr>
+          <p:cNvPr id="2" name="TextBox 1">
+            <a:extLst>
+              <a:ext uri="{FF2B5EF4-FFF2-40B4-BE49-F238E27FC236}">
+                <a16:creationId xmlns:a16="http://schemas.microsoft.com/office/drawing/2014/main" id="{E1AC7E32-26A7-A633-D774-FBEBA331FC0C}"/>
+              </a:ext>
+            </a:extLst>
+          </p:cNvPr>
+          <p:cNvSpPr txBox="1"/>
+          <p:nvPr/>
+        </p:nvSpPr>
+        <p:spPr>
+          <a:xfrm>
+            <a:off x="3094182" y="360218"/>
+            <a:ext cx="6003636" cy="553998"/>
+          </a:xfrm>
+          <a:prstGeom prst="rect">
+            <a:avLst/>
+          </a:prstGeom>
+          <a:noFill/>
         </p:spPr>
         <p:txBody>
           <a:bodyPr wrap="square" rtlCol="0">
@@ -7566,103 +9277,1208 @@
           </a:bodyPr>
           <a:lstStyle/>
           <a:p>
-            <a:pPr marL="342900" indent="-342900">
-              <a:buFont typeface="+mj-lt"/>
-              <a:buAutoNum type="arabicPeriod"/>
-            </a:pPr>
-            <a:r>
-              <a:rPr kumimoji="1" lang="en-US" altLang="ko-KR" sz="2400" b="1" dirty="0"/>
-              <a:t>DB</a:t>
-            </a:r>
-            <a:r>
-              <a:rPr kumimoji="1" lang="ko-KR" altLang="en-US" sz="2400" b="1" dirty="0"/>
-              <a:t>의 부재</a:t>
-            </a:r>
-            <a:endParaRPr kumimoji="1" lang="en-US" altLang="ko-KR" sz="2400" b="1" dirty="0"/>
-          </a:p>
-          <a:p>
-            <a:pPr marL="742950" lvl="1" indent="-285750">
-              <a:buFont typeface="Arial" panose="020B0604020202020204" pitchFamily="34" charset="0"/>
-              <a:buChar char="•"/>
-            </a:pPr>
-            <a:r>
-              <a:rPr kumimoji="1" lang="ko-KR" altLang="en-US" dirty="0"/>
-              <a:t>현재는 </a:t>
-            </a:r>
-            <a:r>
-              <a:rPr kumimoji="1" lang="en-US" altLang="ko-KR" dirty="0"/>
-              <a:t>CSV </a:t>
-            </a:r>
-            <a:r>
-              <a:rPr kumimoji="1" lang="ko-KR" altLang="en-US" dirty="0"/>
-              <a:t>파일을 단순 저장하는 구조로 시스템 구현</a:t>
-            </a:r>
-            <a:endParaRPr kumimoji="1" lang="en-US" altLang="ko-KR" dirty="0"/>
-          </a:p>
-          <a:p>
-            <a:pPr marL="742950" lvl="1" indent="-285750">
-              <a:buFont typeface="Wingdings" pitchFamily="2" charset="2"/>
-              <a:buChar char="Ø"/>
-            </a:pPr>
-            <a:endParaRPr kumimoji="1" lang="en-US" altLang="ko-KR" dirty="0"/>
-          </a:p>
-          <a:p>
-            <a:pPr marL="742950" lvl="1" indent="-285750">
-              <a:buFont typeface="Wingdings" pitchFamily="2" charset="2"/>
-              <a:buChar char="Ø"/>
-            </a:pPr>
-            <a:endParaRPr kumimoji="1" lang="en-US" altLang="ko-KR" dirty="0"/>
-          </a:p>
-          <a:p>
-            <a:pPr marL="342900" indent="-342900">
-              <a:buFont typeface="+mj-lt"/>
-              <a:buAutoNum type="arabicPeriod"/>
-            </a:pPr>
-            <a:r>
-              <a:rPr kumimoji="1" lang="ko-KR" altLang="en-US" sz="2400" b="1" dirty="0"/>
-              <a:t>서비스 범위의 한계점</a:t>
-            </a:r>
-            <a:endParaRPr kumimoji="1" lang="en-US" altLang="ko-KR" sz="2400" b="1" dirty="0"/>
-          </a:p>
-          <a:p>
-            <a:pPr marL="742950" lvl="1" indent="-285750">
-              <a:buFont typeface="Arial" panose="020B0604020202020204" pitchFamily="34" charset="0"/>
-              <a:buChar char="•"/>
-            </a:pPr>
-            <a:r>
-              <a:rPr kumimoji="1" lang="ko-KR" altLang="en-US" dirty="0"/>
-              <a:t>유저 관리 시스템의 부재 </a:t>
-            </a:r>
-            <a:endParaRPr kumimoji="1" lang="en-US" altLang="ko-KR" dirty="0"/>
-          </a:p>
-          <a:p>
-            <a:pPr marL="742950" lvl="1" indent="-285750">
-              <a:buFont typeface="Arial" panose="020B0604020202020204" pitchFamily="34" charset="0"/>
-              <a:buChar char="•"/>
-            </a:pPr>
-            <a:r>
-              <a:rPr kumimoji="1" lang="ko-KR" altLang="en-US" dirty="0"/>
-              <a:t>따라서</a:t>
-            </a:r>
-            <a:r>
-              <a:rPr kumimoji="1" lang="en-US" altLang="ko-KR" dirty="0"/>
-              <a:t>,</a:t>
-            </a:r>
-            <a:r>
-              <a:rPr kumimoji="1" lang="ko-KR" altLang="en-US" dirty="0"/>
-              <a:t> 시나리오 폴더와 결과 폴더가 하나만 존재함</a:t>
-            </a:r>
-            <a:r>
-              <a:rPr kumimoji="1" lang="en-US" altLang="ko-KR" dirty="0"/>
-              <a:t>.</a:t>
-            </a:r>
+            <a:pPr algn="ctr"/>
+            <a:r>
+              <a:rPr kumimoji="1" lang="en-US" altLang="ko-Kore-KR" sz="3000" b="1" dirty="0"/>
+              <a:t>Front End UI</a:t>
+            </a:r>
+            <a:endParaRPr kumimoji="1" lang="ko-Kore-KR" altLang="en-US" sz="3000" b="1" dirty="0"/>
           </a:p>
         </p:txBody>
       </p:sp>
     </p:spTree>
     <p:extLst>
       <p:ext uri="{BB962C8B-B14F-4D97-AF65-F5344CB8AC3E}">
-        <p14:creationId xmlns:p14="http://schemas.microsoft.com/office/powerpoint/2010/main" val="2985407777"/>
+        <p14:creationId xmlns:p14="http://schemas.microsoft.com/office/powerpoint/2010/main" val="111708342"/>
+      </p:ext>
+    </p:extLst>
+  </p:cSld>
+  <p:clrMapOvr>
+    <a:masterClrMapping/>
+  </p:clrMapOvr>
+</p:sld>
+</file>
+
+<file path=ppt/slides/slide6.xml><?xml version="1.0" encoding="utf-8"?>
+<p:sld xmlns:a="http://schemas.openxmlformats.org/drawingml/2006/main" xmlns:r="http://schemas.openxmlformats.org/officeDocument/2006/relationships" xmlns:p="http://schemas.openxmlformats.org/presentationml/2006/main">
+  <p:cSld>
+    <p:spTree>
+      <p:nvGrpSpPr>
+        <p:cNvPr id="1" name=""/>
+        <p:cNvGrpSpPr/>
+        <p:nvPr/>
+      </p:nvGrpSpPr>
+      <p:grpSpPr>
+        <a:xfrm>
+          <a:off x="0" y="0"/>
+          <a:ext cx="0" cy="0"/>
+          <a:chOff x="0" y="0"/>
+          <a:chExt cx="0" cy="0"/>
+        </a:xfrm>
+      </p:grpSpPr>
+      <p:pic>
+        <p:nvPicPr>
+          <p:cNvPr id="3" name="그림 2" descr="텍스트, 스크린샷, 번호, 폰트이(가) 표시된 사진&#10;&#10;자동 생성된 설명">
+            <a:extLst>
+              <a:ext uri="{FF2B5EF4-FFF2-40B4-BE49-F238E27FC236}">
+                <a16:creationId xmlns:a16="http://schemas.microsoft.com/office/drawing/2014/main" id="{B933B121-E263-F4C6-6748-6909EDCD84F4}"/>
+              </a:ext>
+            </a:extLst>
+          </p:cNvPr>
+          <p:cNvPicPr>
+            <a:picLocks noChangeAspect="1"/>
+          </p:cNvPicPr>
+          <p:nvPr/>
+        </p:nvPicPr>
+        <p:blipFill>
+          <a:blip r:embed="rId2"/>
+          <a:stretch>
+            <a:fillRect/>
+          </a:stretch>
+        </p:blipFill>
+        <p:spPr>
+          <a:xfrm>
+            <a:off x="2750615" y="775504"/>
+            <a:ext cx="6690769" cy="6001473"/>
+          </a:xfrm>
+          <a:prstGeom prst="rect">
+            <a:avLst/>
+          </a:prstGeom>
+        </p:spPr>
+      </p:pic>
+      <p:sp>
+        <p:nvSpPr>
+          <p:cNvPr id="4" name="직사각형 3">
+            <a:extLst>
+              <a:ext uri="{FF2B5EF4-FFF2-40B4-BE49-F238E27FC236}">
+                <a16:creationId xmlns:a16="http://schemas.microsoft.com/office/drawing/2014/main" id="{E7EDAB5E-8C8D-C422-C4E7-205EF9414838}"/>
+              </a:ext>
+            </a:extLst>
+          </p:cNvPr>
+          <p:cNvSpPr/>
+          <p:nvPr/>
+        </p:nvSpPr>
+        <p:spPr>
+          <a:xfrm>
+            <a:off x="2868200" y="1877356"/>
+            <a:ext cx="443939" cy="3454375"/>
+          </a:xfrm>
+          <a:prstGeom prst="rect">
+            <a:avLst/>
+          </a:prstGeom>
+          <a:noFill/>
+          <a:ln w="44450">
+            <a:solidFill>
+              <a:srgbClr val="FF0000"/>
+            </a:solidFill>
+          </a:ln>
+        </p:spPr>
+        <p:style>
+          <a:lnRef idx="2">
+            <a:schemeClr val="accent1">
+              <a:shade val="15000"/>
+            </a:schemeClr>
+          </a:lnRef>
+          <a:fillRef idx="1">
+            <a:schemeClr val="accent1"/>
+          </a:fillRef>
+          <a:effectRef idx="0">
+            <a:schemeClr val="accent1"/>
+          </a:effectRef>
+          <a:fontRef idx="minor">
+            <a:schemeClr val="lt1"/>
+          </a:fontRef>
+        </p:style>
+        <p:txBody>
+          <a:bodyPr rtlCol="0" anchor="ctr"/>
+          <a:lstStyle/>
+          <a:p>
+            <a:pPr algn="ctr"/>
+            <a:endParaRPr kumimoji="1" lang="ko-Kore-KR" altLang="en-US"/>
+          </a:p>
+        </p:txBody>
+      </p:sp>
+      <p:sp>
+        <p:nvSpPr>
+          <p:cNvPr id="5" name="설명선 1[L] 4">
+            <a:extLst>
+              <a:ext uri="{FF2B5EF4-FFF2-40B4-BE49-F238E27FC236}">
+                <a16:creationId xmlns:a16="http://schemas.microsoft.com/office/drawing/2014/main" id="{8CEFCCBC-407A-64AE-E6B4-F1DCB7768109}"/>
+              </a:ext>
+            </a:extLst>
+          </p:cNvPr>
+          <p:cNvSpPr/>
+          <p:nvPr/>
+        </p:nvSpPr>
+        <p:spPr>
+          <a:xfrm>
+            <a:off x="160774" y="2976824"/>
+            <a:ext cx="1508927" cy="452176"/>
+          </a:xfrm>
+          <a:prstGeom prst="borderCallout1">
+            <a:avLst>
+              <a:gd name="adj1" fmla="val 52145"/>
+              <a:gd name="adj2" fmla="val 99461"/>
+              <a:gd name="adj3" fmla="val 130011"/>
+              <a:gd name="adj4" fmla="val 178798"/>
+            </a:avLst>
+          </a:prstGeom>
+          <a:noFill/>
+        </p:spPr>
+        <p:style>
+          <a:lnRef idx="2">
+            <a:schemeClr val="accent1">
+              <a:shade val="15000"/>
+            </a:schemeClr>
+          </a:lnRef>
+          <a:fillRef idx="1">
+            <a:schemeClr val="accent1"/>
+          </a:fillRef>
+          <a:effectRef idx="0">
+            <a:schemeClr val="accent1"/>
+          </a:effectRef>
+          <a:fontRef idx="minor">
+            <a:schemeClr val="lt1"/>
+          </a:fontRef>
+        </p:style>
+        <p:txBody>
+          <a:bodyPr rtlCol="0" anchor="ctr"/>
+          <a:lstStyle/>
+          <a:p>
+            <a:pPr algn="ctr"/>
+            <a:r>
+              <a:rPr kumimoji="1" lang="ko-KR" altLang="en-US" sz="1500" dirty="0">
+                <a:solidFill>
+                  <a:schemeClr val="tx1"/>
+                </a:solidFill>
+              </a:rPr>
+              <a:t>파일 체크 항목</a:t>
+            </a:r>
+            <a:endParaRPr kumimoji="1" lang="ko-Kore-KR" altLang="en-US" sz="1500" dirty="0"/>
+          </a:p>
+        </p:txBody>
+      </p:sp>
+      <p:sp>
+        <p:nvSpPr>
+          <p:cNvPr id="6" name="직사각형 5">
+            <a:extLst>
+              <a:ext uri="{FF2B5EF4-FFF2-40B4-BE49-F238E27FC236}">
+                <a16:creationId xmlns:a16="http://schemas.microsoft.com/office/drawing/2014/main" id="{8D850829-0382-6A2D-A38B-B19EAED235E9}"/>
+              </a:ext>
+            </a:extLst>
+          </p:cNvPr>
+          <p:cNvSpPr/>
+          <p:nvPr/>
+        </p:nvSpPr>
+        <p:spPr>
+          <a:xfrm>
+            <a:off x="5524268" y="2210763"/>
+            <a:ext cx="1119600" cy="275339"/>
+          </a:xfrm>
+          <a:prstGeom prst="rect">
+            <a:avLst/>
+          </a:prstGeom>
+          <a:noFill/>
+          <a:ln w="44450">
+            <a:solidFill>
+              <a:srgbClr val="FF0000"/>
+            </a:solidFill>
+          </a:ln>
+        </p:spPr>
+        <p:style>
+          <a:lnRef idx="2">
+            <a:schemeClr val="accent1">
+              <a:shade val="15000"/>
+            </a:schemeClr>
+          </a:lnRef>
+          <a:fillRef idx="1">
+            <a:schemeClr val="accent1"/>
+          </a:fillRef>
+          <a:effectRef idx="0">
+            <a:schemeClr val="accent1"/>
+          </a:effectRef>
+          <a:fontRef idx="minor">
+            <a:schemeClr val="lt1"/>
+          </a:fontRef>
+        </p:style>
+        <p:txBody>
+          <a:bodyPr rtlCol="0" anchor="ctr"/>
+          <a:lstStyle/>
+          <a:p>
+            <a:pPr algn="ctr"/>
+            <a:endParaRPr kumimoji="1" lang="ko-Kore-KR" altLang="en-US"/>
+          </a:p>
+        </p:txBody>
+      </p:sp>
+      <p:sp>
+        <p:nvSpPr>
+          <p:cNvPr id="8" name="설명선 1[L] 7">
+            <a:extLst>
+              <a:ext uri="{FF2B5EF4-FFF2-40B4-BE49-F238E27FC236}">
+                <a16:creationId xmlns:a16="http://schemas.microsoft.com/office/drawing/2014/main" id="{919198F9-655D-E80B-7F68-3CAD28DDFE3B}"/>
+              </a:ext>
+            </a:extLst>
+          </p:cNvPr>
+          <p:cNvSpPr/>
+          <p:nvPr/>
+        </p:nvSpPr>
+        <p:spPr>
+          <a:xfrm>
+            <a:off x="9855184" y="2750736"/>
+            <a:ext cx="1641793" cy="452176"/>
+          </a:xfrm>
+          <a:prstGeom prst="borderCallout1">
+            <a:avLst>
+              <a:gd name="adj1" fmla="val 52145"/>
+              <a:gd name="adj2" fmla="val 1760"/>
+              <a:gd name="adj3" fmla="val -86473"/>
+              <a:gd name="adj4" fmla="val -195433"/>
+            </a:avLst>
+          </a:prstGeom>
+          <a:noFill/>
+        </p:spPr>
+        <p:style>
+          <a:lnRef idx="2">
+            <a:schemeClr val="accent1">
+              <a:shade val="15000"/>
+            </a:schemeClr>
+          </a:lnRef>
+          <a:fillRef idx="1">
+            <a:schemeClr val="accent1"/>
+          </a:fillRef>
+          <a:effectRef idx="0">
+            <a:schemeClr val="accent1"/>
+          </a:effectRef>
+          <a:fontRef idx="minor">
+            <a:schemeClr val="lt1"/>
+          </a:fontRef>
+        </p:style>
+        <p:txBody>
+          <a:bodyPr rtlCol="0" anchor="ctr"/>
+          <a:lstStyle/>
+          <a:p>
+            <a:pPr algn="ctr"/>
+            <a:r>
+              <a:rPr kumimoji="1" lang="en-US" altLang="ko-KR" sz="1500" dirty="0">
+                <a:solidFill>
+                  <a:schemeClr val="tx1"/>
+                </a:solidFill>
+              </a:rPr>
+              <a:t>Uploaded</a:t>
+            </a:r>
+            <a:r>
+              <a:rPr kumimoji="1" lang="ko-KR" altLang="en-US" sz="1500" dirty="0">
+                <a:solidFill>
+                  <a:schemeClr val="tx1"/>
+                </a:solidFill>
+              </a:rPr>
+              <a:t>한 </a:t>
+            </a:r>
+            <a:r>
+              <a:rPr kumimoji="1" lang="en-US" altLang="ko-KR" sz="1500" dirty="0">
+                <a:solidFill>
+                  <a:schemeClr val="tx1"/>
+                </a:solidFill>
+              </a:rPr>
+              <a:t>file</a:t>
+            </a:r>
+            <a:r>
+              <a:rPr kumimoji="1" lang="ko-KR" altLang="en-US" sz="1500" dirty="0">
+                <a:solidFill>
+                  <a:schemeClr val="tx1"/>
+                </a:solidFill>
+              </a:rPr>
+              <a:t>의 내용 보는 버튼</a:t>
+            </a:r>
+            <a:endParaRPr kumimoji="1" lang="ko-Kore-KR" altLang="en-US" sz="1500" dirty="0"/>
+          </a:p>
+        </p:txBody>
+      </p:sp>
+      <p:sp>
+        <p:nvSpPr>
+          <p:cNvPr id="7" name="TextBox 6">
+            <a:extLst>
+              <a:ext uri="{FF2B5EF4-FFF2-40B4-BE49-F238E27FC236}">
+                <a16:creationId xmlns:a16="http://schemas.microsoft.com/office/drawing/2014/main" id="{3B726ABD-ED45-FD6B-B1BD-96791FCE8E8A}"/>
+              </a:ext>
+            </a:extLst>
+          </p:cNvPr>
+          <p:cNvSpPr txBox="1"/>
+          <p:nvPr/>
+        </p:nvSpPr>
+        <p:spPr>
+          <a:xfrm>
+            <a:off x="3094182" y="360218"/>
+            <a:ext cx="6003636" cy="553998"/>
+          </a:xfrm>
+          <a:prstGeom prst="rect">
+            <a:avLst/>
+          </a:prstGeom>
+          <a:noFill/>
+        </p:spPr>
+        <p:txBody>
+          <a:bodyPr wrap="square" rtlCol="0">
+            <a:spAutoFit/>
+          </a:bodyPr>
+          <a:lstStyle/>
+          <a:p>
+            <a:pPr algn="ctr"/>
+            <a:r>
+              <a:rPr kumimoji="1" lang="en-US" altLang="ko-Kore-KR" sz="3000" b="1" dirty="0"/>
+              <a:t>Front End UI</a:t>
+            </a:r>
+            <a:endParaRPr kumimoji="1" lang="ko-Kore-KR" altLang="en-US" sz="3000" b="1" dirty="0"/>
+          </a:p>
+        </p:txBody>
+      </p:sp>
+    </p:spTree>
+    <p:extLst>
+      <p:ext uri="{BB962C8B-B14F-4D97-AF65-F5344CB8AC3E}">
+        <p14:creationId xmlns:p14="http://schemas.microsoft.com/office/powerpoint/2010/main" val="1083288146"/>
+      </p:ext>
+    </p:extLst>
+  </p:cSld>
+  <p:clrMapOvr>
+    <a:masterClrMapping/>
+  </p:clrMapOvr>
+</p:sld>
+</file>
+
+<file path=ppt/slides/slide7.xml><?xml version="1.0" encoding="utf-8"?>
+<p:sld xmlns:a="http://schemas.openxmlformats.org/drawingml/2006/main" xmlns:r="http://schemas.openxmlformats.org/officeDocument/2006/relationships" xmlns:p="http://schemas.openxmlformats.org/presentationml/2006/main">
+  <p:cSld>
+    <p:spTree>
+      <p:nvGrpSpPr>
+        <p:cNvPr id="1" name=""/>
+        <p:cNvGrpSpPr/>
+        <p:nvPr/>
+      </p:nvGrpSpPr>
+      <p:grpSpPr>
+        <a:xfrm>
+          <a:off x="0" y="0"/>
+          <a:ext cx="0" cy="0"/>
+          <a:chOff x="0" y="0"/>
+          <a:chExt cx="0" cy="0"/>
+        </a:xfrm>
+      </p:grpSpPr>
+      <p:pic>
+        <p:nvPicPr>
+          <p:cNvPr id="3" name="그림 2" descr="텍스트, 스크린샷, 번호, 폰트이(가) 표시된 사진&#10;&#10;자동 생성된 설명">
+            <a:extLst>
+              <a:ext uri="{FF2B5EF4-FFF2-40B4-BE49-F238E27FC236}">
+                <a16:creationId xmlns:a16="http://schemas.microsoft.com/office/drawing/2014/main" id="{202C7DC7-1B6F-70C5-4FE3-0B40AD243140}"/>
+              </a:ext>
+            </a:extLst>
+          </p:cNvPr>
+          <p:cNvPicPr>
+            <a:picLocks noChangeAspect="1"/>
+          </p:cNvPicPr>
+          <p:nvPr/>
+        </p:nvPicPr>
+        <p:blipFill>
+          <a:blip r:embed="rId3"/>
+          <a:stretch>
+            <a:fillRect/>
+          </a:stretch>
+        </p:blipFill>
+        <p:spPr>
+          <a:xfrm>
+            <a:off x="1196992" y="1818752"/>
+            <a:ext cx="4460910" cy="3386293"/>
+          </a:xfrm>
+          <a:prstGeom prst="rect">
+            <a:avLst/>
+          </a:prstGeom>
+        </p:spPr>
+      </p:pic>
+      <p:pic>
+        <p:nvPicPr>
+          <p:cNvPr id="5" name="그림 4" descr="텍스트, 영수증, 번호, 폰트이(가) 표시된 사진&#10;&#10;자동 생성된 설명">
+            <a:extLst>
+              <a:ext uri="{FF2B5EF4-FFF2-40B4-BE49-F238E27FC236}">
+                <a16:creationId xmlns:a16="http://schemas.microsoft.com/office/drawing/2014/main" id="{6B3788EF-888E-1F79-BEE2-A589AAC8E4CD}"/>
+              </a:ext>
+            </a:extLst>
+          </p:cNvPr>
+          <p:cNvPicPr>
+            <a:picLocks noChangeAspect="1"/>
+          </p:cNvPicPr>
+          <p:nvPr/>
+        </p:nvPicPr>
+        <p:blipFill>
+          <a:blip r:embed="rId4"/>
+          <a:stretch>
+            <a:fillRect/>
+          </a:stretch>
+        </p:blipFill>
+        <p:spPr>
+          <a:xfrm>
+            <a:off x="5657902" y="2664698"/>
+            <a:ext cx="5468715" cy="2369525"/>
+          </a:xfrm>
+          <a:prstGeom prst="rect">
+            <a:avLst/>
+          </a:prstGeom>
+        </p:spPr>
+      </p:pic>
+      <p:sp>
+        <p:nvSpPr>
+          <p:cNvPr id="7" name="설명선 1[L] 6">
+            <a:extLst>
+              <a:ext uri="{FF2B5EF4-FFF2-40B4-BE49-F238E27FC236}">
+                <a16:creationId xmlns:a16="http://schemas.microsoft.com/office/drawing/2014/main" id="{CD47CBDF-88D6-749F-5F8B-9928259709A1}"/>
+              </a:ext>
+            </a:extLst>
+          </p:cNvPr>
+          <p:cNvSpPr/>
+          <p:nvPr/>
+        </p:nvSpPr>
+        <p:spPr>
+          <a:xfrm>
+            <a:off x="4012684" y="5377123"/>
+            <a:ext cx="1508927" cy="734427"/>
+          </a:xfrm>
+          <a:prstGeom prst="borderCallout1">
+            <a:avLst>
+              <a:gd name="adj1" fmla="val 52145"/>
+              <a:gd name="adj2" fmla="val 99461"/>
+              <a:gd name="adj3" fmla="val -52744"/>
+              <a:gd name="adj4" fmla="val 127099"/>
+            </a:avLst>
+          </a:prstGeom>
+          <a:noFill/>
+        </p:spPr>
+        <p:style>
+          <a:lnRef idx="2">
+            <a:schemeClr val="accent1">
+              <a:shade val="15000"/>
+            </a:schemeClr>
+          </a:lnRef>
+          <a:fillRef idx="1">
+            <a:schemeClr val="accent1"/>
+          </a:fillRef>
+          <a:effectRef idx="0">
+            <a:schemeClr val="accent1"/>
+          </a:effectRef>
+          <a:fontRef idx="minor">
+            <a:schemeClr val="lt1"/>
+          </a:fontRef>
+        </p:style>
+        <p:txBody>
+          <a:bodyPr rtlCol="0" anchor="ctr"/>
+          <a:lstStyle/>
+          <a:p>
+            <a:pPr algn="ctr"/>
+            <a:r>
+              <a:rPr kumimoji="1" lang="en-US" altLang="ko-Kore-KR" sz="1500" dirty="0">
+                <a:solidFill>
+                  <a:schemeClr val="tx1"/>
+                </a:solidFill>
+              </a:rPr>
+              <a:t>File </a:t>
+            </a:r>
+            <a:r>
+              <a:rPr kumimoji="1" lang="ko-Kore-KR" altLang="en-US" sz="1500" dirty="0">
+                <a:solidFill>
+                  <a:schemeClr val="tx1"/>
+                </a:solidFill>
+              </a:rPr>
+              <a:t>초기</a:t>
+            </a:r>
+            <a:r>
+              <a:rPr kumimoji="1" lang="ko-KR" altLang="en-US" sz="1500" dirty="0">
+                <a:solidFill>
+                  <a:schemeClr val="tx1"/>
+                </a:solidFill>
+              </a:rPr>
+              <a:t>화 및 </a:t>
+            </a:r>
+            <a:r>
+              <a:rPr kumimoji="1" lang="en-US" altLang="ko-KR" sz="1500" dirty="0">
+                <a:solidFill>
+                  <a:schemeClr val="tx1"/>
+                </a:solidFill>
+              </a:rPr>
+              <a:t>file</a:t>
+            </a:r>
+            <a:r>
+              <a:rPr kumimoji="1" lang="ko-KR" altLang="en-US" sz="1500" dirty="0">
+                <a:solidFill>
+                  <a:schemeClr val="tx1"/>
+                </a:solidFill>
+              </a:rPr>
+              <a:t>선택으로 돌아가는 버튼</a:t>
+            </a:r>
+            <a:endParaRPr kumimoji="1" lang="ko-Kore-KR" altLang="en-US" sz="1500" dirty="0"/>
+          </a:p>
+        </p:txBody>
+      </p:sp>
+      <p:sp>
+        <p:nvSpPr>
+          <p:cNvPr id="8" name="직사각형 7">
+            <a:extLst>
+              <a:ext uri="{FF2B5EF4-FFF2-40B4-BE49-F238E27FC236}">
+                <a16:creationId xmlns:a16="http://schemas.microsoft.com/office/drawing/2014/main" id="{03B253AB-A06F-3BD7-721F-780E12CA9905}"/>
+              </a:ext>
+            </a:extLst>
+          </p:cNvPr>
+          <p:cNvSpPr/>
+          <p:nvPr/>
+        </p:nvSpPr>
+        <p:spPr>
+          <a:xfrm>
+            <a:off x="5754383" y="4545622"/>
+            <a:ext cx="483131" cy="226088"/>
+          </a:xfrm>
+          <a:prstGeom prst="rect">
+            <a:avLst/>
+          </a:prstGeom>
+          <a:noFill/>
+          <a:ln w="44450">
+            <a:solidFill>
+              <a:srgbClr val="FF0000"/>
+            </a:solidFill>
+          </a:ln>
+        </p:spPr>
+        <p:style>
+          <a:lnRef idx="2">
+            <a:schemeClr val="accent1">
+              <a:shade val="15000"/>
+            </a:schemeClr>
+          </a:lnRef>
+          <a:fillRef idx="1">
+            <a:schemeClr val="accent1"/>
+          </a:fillRef>
+          <a:effectRef idx="0">
+            <a:schemeClr val="accent1"/>
+          </a:effectRef>
+          <a:fontRef idx="minor">
+            <a:schemeClr val="lt1"/>
+          </a:fontRef>
+        </p:style>
+        <p:txBody>
+          <a:bodyPr rtlCol="0" anchor="ctr"/>
+          <a:lstStyle/>
+          <a:p>
+            <a:pPr algn="ctr"/>
+            <a:endParaRPr kumimoji="1" lang="ko-Kore-KR" altLang="en-US"/>
+          </a:p>
+        </p:txBody>
+      </p:sp>
+      <p:sp>
+        <p:nvSpPr>
+          <p:cNvPr id="9" name="직사각형 8">
+            <a:extLst>
+              <a:ext uri="{FF2B5EF4-FFF2-40B4-BE49-F238E27FC236}">
+                <a16:creationId xmlns:a16="http://schemas.microsoft.com/office/drawing/2014/main" id="{57211B56-DFF5-E0C6-CD90-05DF6C2231EE}"/>
+              </a:ext>
+            </a:extLst>
+          </p:cNvPr>
+          <p:cNvSpPr/>
+          <p:nvPr/>
+        </p:nvSpPr>
+        <p:spPr>
+          <a:xfrm>
+            <a:off x="5754383" y="4806492"/>
+            <a:ext cx="379717" cy="173722"/>
+          </a:xfrm>
+          <a:prstGeom prst="rect">
+            <a:avLst/>
+          </a:prstGeom>
+          <a:noFill/>
+          <a:ln w="44450">
+            <a:solidFill>
+              <a:srgbClr val="FF0000"/>
+            </a:solidFill>
+          </a:ln>
+        </p:spPr>
+        <p:style>
+          <a:lnRef idx="2">
+            <a:schemeClr val="accent1">
+              <a:shade val="15000"/>
+            </a:schemeClr>
+          </a:lnRef>
+          <a:fillRef idx="1">
+            <a:schemeClr val="accent1"/>
+          </a:fillRef>
+          <a:effectRef idx="0">
+            <a:schemeClr val="accent1"/>
+          </a:effectRef>
+          <a:fontRef idx="minor">
+            <a:schemeClr val="lt1"/>
+          </a:fontRef>
+        </p:style>
+        <p:txBody>
+          <a:bodyPr rtlCol="0" anchor="ctr"/>
+          <a:lstStyle/>
+          <a:p>
+            <a:pPr algn="ctr"/>
+            <a:endParaRPr kumimoji="1" lang="ko-Kore-KR" altLang="en-US"/>
+          </a:p>
+        </p:txBody>
+      </p:sp>
+      <p:sp>
+        <p:nvSpPr>
+          <p:cNvPr id="10" name="설명선 1[L] 9">
+            <a:extLst>
+              <a:ext uri="{FF2B5EF4-FFF2-40B4-BE49-F238E27FC236}">
+                <a16:creationId xmlns:a16="http://schemas.microsoft.com/office/drawing/2014/main" id="{55A83B18-3BC2-AAAC-68CC-55B03BB5C979}"/>
+              </a:ext>
+            </a:extLst>
+          </p:cNvPr>
+          <p:cNvSpPr/>
+          <p:nvPr/>
+        </p:nvSpPr>
+        <p:spPr>
+          <a:xfrm>
+            <a:off x="7927602" y="4771710"/>
+            <a:ext cx="1508927" cy="452176"/>
+          </a:xfrm>
+          <a:prstGeom prst="borderCallout1">
+            <a:avLst>
+              <a:gd name="adj1" fmla="val 56110"/>
+              <a:gd name="adj2" fmla="val 244"/>
+              <a:gd name="adj3" fmla="val -27165"/>
+              <a:gd name="adj4" fmla="val -111090"/>
+            </a:avLst>
+          </a:prstGeom>
+          <a:noFill/>
+        </p:spPr>
+        <p:style>
+          <a:lnRef idx="2">
+            <a:schemeClr val="accent1">
+              <a:shade val="15000"/>
+            </a:schemeClr>
+          </a:lnRef>
+          <a:fillRef idx="1">
+            <a:schemeClr val="accent1"/>
+          </a:fillRef>
+          <a:effectRef idx="0">
+            <a:schemeClr val="accent1"/>
+          </a:effectRef>
+          <a:fontRef idx="minor">
+            <a:schemeClr val="lt1"/>
+          </a:fontRef>
+        </p:style>
+        <p:txBody>
+          <a:bodyPr rtlCol="0" anchor="ctr"/>
+          <a:lstStyle/>
+          <a:p>
+            <a:pPr algn="ctr"/>
+            <a:r>
+              <a:rPr kumimoji="1" lang="ko-KR" altLang="en-US" sz="1500" dirty="0">
+                <a:solidFill>
+                  <a:schemeClr val="tx1"/>
+                </a:solidFill>
+              </a:rPr>
+              <a:t>다시 </a:t>
+            </a:r>
+            <a:r>
+              <a:rPr kumimoji="1" lang="en-US" altLang="ko-KR" sz="1500" dirty="0">
+                <a:solidFill>
+                  <a:schemeClr val="tx1"/>
+                </a:solidFill>
+              </a:rPr>
+              <a:t>file list</a:t>
+            </a:r>
+            <a:r>
+              <a:rPr kumimoji="1" lang="ko-KR" altLang="en-US" sz="1500" dirty="0">
+                <a:solidFill>
+                  <a:schemeClr val="tx1"/>
+                </a:solidFill>
+              </a:rPr>
+              <a:t>로 돌아가는 버튼</a:t>
+            </a:r>
+            <a:endParaRPr kumimoji="1" lang="ko-Kore-KR" altLang="en-US" sz="1500" dirty="0"/>
+          </a:p>
+        </p:txBody>
+      </p:sp>
+      <p:sp>
+        <p:nvSpPr>
+          <p:cNvPr id="2" name="TextBox 1">
+            <a:extLst>
+              <a:ext uri="{FF2B5EF4-FFF2-40B4-BE49-F238E27FC236}">
+                <a16:creationId xmlns:a16="http://schemas.microsoft.com/office/drawing/2014/main" id="{70CF7C59-3B5D-9BD1-B67E-7A11971B8C9C}"/>
+              </a:ext>
+            </a:extLst>
+          </p:cNvPr>
+          <p:cNvSpPr txBox="1"/>
+          <p:nvPr/>
+        </p:nvSpPr>
+        <p:spPr>
+          <a:xfrm>
+            <a:off x="3094182" y="360218"/>
+            <a:ext cx="6003636" cy="553998"/>
+          </a:xfrm>
+          <a:prstGeom prst="rect">
+            <a:avLst/>
+          </a:prstGeom>
+          <a:noFill/>
+        </p:spPr>
+        <p:txBody>
+          <a:bodyPr wrap="square" rtlCol="0">
+            <a:spAutoFit/>
+          </a:bodyPr>
+          <a:lstStyle/>
+          <a:p>
+            <a:pPr algn="ctr"/>
+            <a:r>
+              <a:rPr kumimoji="1" lang="en-US" altLang="ko-Kore-KR" sz="3000" b="1" dirty="0"/>
+              <a:t>Front End UI</a:t>
+            </a:r>
+            <a:endParaRPr kumimoji="1" lang="ko-Kore-KR" altLang="en-US" sz="3000" b="1" dirty="0"/>
+          </a:p>
+        </p:txBody>
+      </p:sp>
+    </p:spTree>
+    <p:extLst>
+      <p:ext uri="{BB962C8B-B14F-4D97-AF65-F5344CB8AC3E}">
+        <p14:creationId xmlns:p14="http://schemas.microsoft.com/office/powerpoint/2010/main" val="1885155236"/>
+      </p:ext>
+    </p:extLst>
+  </p:cSld>
+  <p:clrMapOvr>
+    <a:masterClrMapping/>
+  </p:clrMapOvr>
+</p:sld>
+</file>
+
+<file path=ppt/slides/slide8.xml><?xml version="1.0" encoding="utf-8"?>
+<p:sld xmlns:a="http://schemas.openxmlformats.org/drawingml/2006/main" xmlns:r="http://schemas.openxmlformats.org/officeDocument/2006/relationships" xmlns:p="http://schemas.openxmlformats.org/presentationml/2006/main">
+  <p:cSld>
+    <p:spTree>
+      <p:nvGrpSpPr>
+        <p:cNvPr id="1" name=""/>
+        <p:cNvGrpSpPr/>
+        <p:nvPr/>
+      </p:nvGrpSpPr>
+      <p:grpSpPr>
+        <a:xfrm>
+          <a:off x="0" y="0"/>
+          <a:ext cx="0" cy="0"/>
+          <a:chOff x="0" y="0"/>
+          <a:chExt cx="0" cy="0"/>
+        </a:xfrm>
+      </p:grpSpPr>
+      <p:pic>
+        <p:nvPicPr>
+          <p:cNvPr id="3" name="그림 2" descr="그래프, 도표, 라인, 텍스트이(가) 표시된 사진&#10;&#10;자동 생성된 설명">
+            <a:extLst>
+              <a:ext uri="{FF2B5EF4-FFF2-40B4-BE49-F238E27FC236}">
+                <a16:creationId xmlns:a16="http://schemas.microsoft.com/office/drawing/2014/main" id="{42AECE39-CC96-A829-113C-A8D47C699575}"/>
+              </a:ext>
+            </a:extLst>
+          </p:cNvPr>
+          <p:cNvPicPr>
+            <a:picLocks noChangeAspect="1"/>
+          </p:cNvPicPr>
+          <p:nvPr/>
+        </p:nvPicPr>
+        <p:blipFill>
+          <a:blip r:embed="rId2"/>
+          <a:stretch>
+            <a:fillRect/>
+          </a:stretch>
+        </p:blipFill>
+        <p:spPr>
+          <a:xfrm>
+            <a:off x="2209800" y="950976"/>
+            <a:ext cx="7772400" cy="4956048"/>
+          </a:xfrm>
+          <a:prstGeom prst="rect">
+            <a:avLst/>
+          </a:prstGeom>
+        </p:spPr>
+      </p:pic>
+      <p:sp>
+        <p:nvSpPr>
+          <p:cNvPr id="4" name="직사각형 3">
+            <a:extLst>
+              <a:ext uri="{FF2B5EF4-FFF2-40B4-BE49-F238E27FC236}">
+                <a16:creationId xmlns:a16="http://schemas.microsoft.com/office/drawing/2014/main" id="{9D8F6DF1-8FA2-D815-2A7D-76CFF029C654}"/>
+              </a:ext>
+            </a:extLst>
+          </p:cNvPr>
+          <p:cNvSpPr/>
+          <p:nvPr/>
+        </p:nvSpPr>
+        <p:spPr>
+          <a:xfrm>
+            <a:off x="8820264" y="2491740"/>
+            <a:ext cx="1161936" cy="388619"/>
+          </a:xfrm>
+          <a:prstGeom prst="rect">
+            <a:avLst/>
+          </a:prstGeom>
+          <a:noFill/>
+          <a:ln w="44450">
+            <a:solidFill>
+              <a:srgbClr val="FF0000"/>
+            </a:solidFill>
+          </a:ln>
+        </p:spPr>
+        <p:style>
+          <a:lnRef idx="2">
+            <a:schemeClr val="accent1">
+              <a:shade val="15000"/>
+            </a:schemeClr>
+          </a:lnRef>
+          <a:fillRef idx="1">
+            <a:schemeClr val="accent1"/>
+          </a:fillRef>
+          <a:effectRef idx="0">
+            <a:schemeClr val="accent1"/>
+          </a:effectRef>
+          <a:fontRef idx="minor">
+            <a:schemeClr val="lt1"/>
+          </a:fontRef>
+        </p:style>
+        <p:txBody>
+          <a:bodyPr rtlCol="0" anchor="ctr"/>
+          <a:lstStyle/>
+          <a:p>
+            <a:pPr algn="ctr"/>
+            <a:endParaRPr kumimoji="1" lang="ko-Kore-KR" altLang="en-US"/>
+          </a:p>
+        </p:txBody>
+      </p:sp>
+      <p:sp>
+        <p:nvSpPr>
+          <p:cNvPr id="5" name="직사각형 4">
+            <a:extLst>
+              <a:ext uri="{FF2B5EF4-FFF2-40B4-BE49-F238E27FC236}">
+                <a16:creationId xmlns:a16="http://schemas.microsoft.com/office/drawing/2014/main" id="{152545F3-7ECD-CAF7-7CD9-B81AEDA893D6}"/>
+              </a:ext>
+            </a:extLst>
+          </p:cNvPr>
+          <p:cNvSpPr/>
+          <p:nvPr/>
+        </p:nvSpPr>
+        <p:spPr>
+          <a:xfrm>
+            <a:off x="2244090" y="5669280"/>
+            <a:ext cx="521970" cy="203454"/>
+          </a:xfrm>
+          <a:prstGeom prst="rect">
+            <a:avLst/>
+          </a:prstGeom>
+          <a:noFill/>
+          <a:ln w="44450">
+            <a:solidFill>
+              <a:srgbClr val="FF0000"/>
+            </a:solidFill>
+          </a:ln>
+        </p:spPr>
+        <p:style>
+          <a:lnRef idx="2">
+            <a:schemeClr val="accent1">
+              <a:shade val="15000"/>
+            </a:schemeClr>
+          </a:lnRef>
+          <a:fillRef idx="1">
+            <a:schemeClr val="accent1"/>
+          </a:fillRef>
+          <a:effectRef idx="0">
+            <a:schemeClr val="accent1"/>
+          </a:effectRef>
+          <a:fontRef idx="minor">
+            <a:schemeClr val="lt1"/>
+          </a:fontRef>
+        </p:style>
+        <p:txBody>
+          <a:bodyPr rtlCol="0" anchor="ctr"/>
+          <a:lstStyle/>
+          <a:p>
+            <a:pPr algn="ctr"/>
+            <a:endParaRPr kumimoji="1" lang="ko-Kore-KR" altLang="en-US"/>
+          </a:p>
+        </p:txBody>
+      </p:sp>
+      <p:sp>
+        <p:nvSpPr>
+          <p:cNvPr id="6" name="설명선 1[L] 5">
+            <a:extLst>
+              <a:ext uri="{FF2B5EF4-FFF2-40B4-BE49-F238E27FC236}">
+                <a16:creationId xmlns:a16="http://schemas.microsoft.com/office/drawing/2014/main" id="{620345CB-DB17-102E-9954-5E02E5420AD6}"/>
+              </a:ext>
+            </a:extLst>
+          </p:cNvPr>
+          <p:cNvSpPr/>
+          <p:nvPr/>
+        </p:nvSpPr>
+        <p:spPr>
+          <a:xfrm>
+            <a:off x="160774" y="4428434"/>
+            <a:ext cx="1508927" cy="452176"/>
+          </a:xfrm>
+          <a:prstGeom prst="borderCallout1">
+            <a:avLst>
+              <a:gd name="adj1" fmla="val 52145"/>
+              <a:gd name="adj2" fmla="val 99461"/>
+              <a:gd name="adj3" fmla="val 268239"/>
+              <a:gd name="adj4" fmla="val 147348"/>
+            </a:avLst>
+          </a:prstGeom>
+          <a:noFill/>
+        </p:spPr>
+        <p:style>
+          <a:lnRef idx="2">
+            <a:schemeClr val="accent1">
+              <a:shade val="15000"/>
+            </a:schemeClr>
+          </a:lnRef>
+          <a:fillRef idx="1">
+            <a:schemeClr val="accent1"/>
+          </a:fillRef>
+          <a:effectRef idx="0">
+            <a:schemeClr val="accent1"/>
+          </a:effectRef>
+          <a:fontRef idx="minor">
+            <a:schemeClr val="lt1"/>
+          </a:fontRef>
+        </p:style>
+        <p:txBody>
+          <a:bodyPr rtlCol="0" anchor="ctr"/>
+          <a:lstStyle/>
+          <a:p>
+            <a:pPr algn="ctr"/>
+            <a:r>
+              <a:rPr kumimoji="1" lang="ko-KR" altLang="en-US" sz="1500" dirty="0">
+                <a:solidFill>
+                  <a:schemeClr val="tx1"/>
+                </a:solidFill>
+              </a:rPr>
+              <a:t>다시 </a:t>
+            </a:r>
+            <a:r>
+              <a:rPr kumimoji="1" lang="en-US" altLang="ko-KR" sz="1500" dirty="0">
+                <a:solidFill>
+                  <a:schemeClr val="tx1"/>
+                </a:solidFill>
+              </a:rPr>
+              <a:t>file list</a:t>
+            </a:r>
+            <a:r>
+              <a:rPr kumimoji="1" lang="ko-KR" altLang="en-US" sz="1500" dirty="0">
+                <a:solidFill>
+                  <a:schemeClr val="tx1"/>
+                </a:solidFill>
+              </a:rPr>
+              <a:t>로 돌아가는 버튼</a:t>
+            </a:r>
+            <a:endParaRPr kumimoji="1" lang="ko-Kore-KR" altLang="en-US" sz="1500" dirty="0"/>
+          </a:p>
+        </p:txBody>
+      </p:sp>
+      <p:sp>
+        <p:nvSpPr>
+          <p:cNvPr id="7" name="설명선 1[L] 6">
+            <a:extLst>
+              <a:ext uri="{FF2B5EF4-FFF2-40B4-BE49-F238E27FC236}">
+                <a16:creationId xmlns:a16="http://schemas.microsoft.com/office/drawing/2014/main" id="{56B3DCA1-E887-A819-8F17-0DE997FDF522}"/>
+              </a:ext>
+            </a:extLst>
+          </p:cNvPr>
+          <p:cNvSpPr/>
+          <p:nvPr/>
+        </p:nvSpPr>
+        <p:spPr>
+          <a:xfrm>
+            <a:off x="7311337" y="1269182"/>
+            <a:ext cx="1508927" cy="452176"/>
+          </a:xfrm>
+          <a:prstGeom prst="borderCallout1">
+            <a:avLst>
+              <a:gd name="adj1" fmla="val 52145"/>
+              <a:gd name="adj2" fmla="val 99461"/>
+              <a:gd name="adj3" fmla="val 268239"/>
+              <a:gd name="adj4" fmla="val 147348"/>
+            </a:avLst>
+          </a:prstGeom>
+          <a:noFill/>
+        </p:spPr>
+        <p:style>
+          <a:lnRef idx="2">
+            <a:schemeClr val="accent1">
+              <a:shade val="15000"/>
+            </a:schemeClr>
+          </a:lnRef>
+          <a:fillRef idx="1">
+            <a:schemeClr val="accent1"/>
+          </a:fillRef>
+          <a:effectRef idx="0">
+            <a:schemeClr val="accent1"/>
+          </a:effectRef>
+          <a:fontRef idx="minor">
+            <a:schemeClr val="lt1"/>
+          </a:fontRef>
+        </p:style>
+        <p:txBody>
+          <a:bodyPr rtlCol="0" anchor="ctr"/>
+          <a:lstStyle/>
+          <a:p>
+            <a:pPr algn="ctr"/>
+            <a:r>
+              <a:rPr kumimoji="1" lang="ko-KR" altLang="en-US" sz="1500" dirty="0">
+                <a:solidFill>
+                  <a:schemeClr val="tx1"/>
+                </a:solidFill>
+              </a:rPr>
+              <a:t>그래프 그룹을 선택하는 </a:t>
+            </a:r>
+            <a:r>
+              <a:rPr kumimoji="1" lang="en-US" altLang="ko-KR" sz="1500" dirty="0">
+                <a:solidFill>
+                  <a:schemeClr val="tx1"/>
+                </a:solidFill>
+              </a:rPr>
+              <a:t>UI</a:t>
+            </a:r>
+            <a:endParaRPr kumimoji="1" lang="ko-Kore-KR" altLang="en-US" sz="1500" dirty="0"/>
+          </a:p>
+        </p:txBody>
+      </p:sp>
+      <p:sp>
+        <p:nvSpPr>
+          <p:cNvPr id="2" name="TextBox 1">
+            <a:extLst>
+              <a:ext uri="{FF2B5EF4-FFF2-40B4-BE49-F238E27FC236}">
+                <a16:creationId xmlns:a16="http://schemas.microsoft.com/office/drawing/2014/main" id="{BD1B53DC-89CF-1662-4C57-2D33DC838704}"/>
+              </a:ext>
+            </a:extLst>
+          </p:cNvPr>
+          <p:cNvSpPr txBox="1"/>
+          <p:nvPr/>
+        </p:nvSpPr>
+        <p:spPr>
+          <a:xfrm>
+            <a:off x="3094182" y="360218"/>
+            <a:ext cx="6003636" cy="553998"/>
+          </a:xfrm>
+          <a:prstGeom prst="rect">
+            <a:avLst/>
+          </a:prstGeom>
+          <a:noFill/>
+        </p:spPr>
+        <p:txBody>
+          <a:bodyPr wrap="square" rtlCol="0">
+            <a:spAutoFit/>
+          </a:bodyPr>
+          <a:lstStyle/>
+          <a:p>
+            <a:pPr algn="ctr"/>
+            <a:r>
+              <a:rPr kumimoji="1" lang="en-US" altLang="ko-Kore-KR" sz="3000" b="1" dirty="0"/>
+              <a:t>Front End UI</a:t>
+            </a:r>
+            <a:endParaRPr kumimoji="1" lang="ko-Kore-KR" altLang="en-US" sz="3000" b="1" dirty="0"/>
+          </a:p>
+        </p:txBody>
+      </p:sp>
+    </p:spTree>
+    <p:extLst>
+      <p:ext uri="{BB962C8B-B14F-4D97-AF65-F5344CB8AC3E}">
+        <p14:creationId xmlns:p14="http://schemas.microsoft.com/office/powerpoint/2010/main" val="2820286718"/>
+      </p:ext>
+    </p:extLst>
+  </p:cSld>
+  <p:clrMapOvr>
+    <a:masterClrMapping/>
+  </p:clrMapOvr>
+</p:sld>
+</file>
+
+<file path=ppt/slides/slide9.xml><?xml version="1.0" encoding="utf-8"?>
+<p:sld xmlns:a="http://schemas.openxmlformats.org/drawingml/2006/main" xmlns:r="http://schemas.openxmlformats.org/officeDocument/2006/relationships" xmlns:p="http://schemas.openxmlformats.org/presentationml/2006/main">
+  <p:cSld>
+    <p:spTree>
+      <p:nvGrpSpPr>
+        <p:cNvPr id="1" name=""/>
+        <p:cNvGrpSpPr/>
+        <p:nvPr/>
+      </p:nvGrpSpPr>
+      <p:grpSpPr>
+        <a:xfrm>
+          <a:off x="0" y="0"/>
+          <a:ext cx="0" cy="0"/>
+          <a:chOff x="0" y="0"/>
+          <a:chExt cx="0" cy="0"/>
+        </a:xfrm>
+      </p:grpSpPr>
+      <p:sp>
+        <p:nvSpPr>
+          <p:cNvPr id="2" name="TextBox 1">
+            <a:extLst>
+              <a:ext uri="{FF2B5EF4-FFF2-40B4-BE49-F238E27FC236}">
+                <a16:creationId xmlns:a16="http://schemas.microsoft.com/office/drawing/2014/main" id="{F08FEB6F-5215-EBCE-FBB4-391D5F41D388}"/>
+              </a:ext>
+            </a:extLst>
+          </p:cNvPr>
+          <p:cNvSpPr txBox="1"/>
+          <p:nvPr/>
+        </p:nvSpPr>
+        <p:spPr>
+          <a:xfrm>
+            <a:off x="3094182" y="360218"/>
+            <a:ext cx="6003636" cy="553998"/>
+          </a:xfrm>
+          <a:prstGeom prst="rect">
+            <a:avLst/>
+          </a:prstGeom>
+          <a:noFill/>
+        </p:spPr>
+        <p:txBody>
+          <a:bodyPr wrap="square" rtlCol="0">
+            <a:spAutoFit/>
+          </a:bodyPr>
+          <a:lstStyle/>
+          <a:p>
+            <a:pPr algn="ctr"/>
+            <a:r>
+              <a:rPr kumimoji="1" lang="en-US" altLang="ko-Kore-KR" sz="3000" b="1" dirty="0"/>
+              <a:t>Back End API </a:t>
+            </a:r>
+            <a:r>
+              <a:rPr kumimoji="1" lang="ko-Kore-KR" altLang="en-US" sz="3000" b="1" dirty="0"/>
+              <a:t>문서</a:t>
+            </a:r>
+          </a:p>
+        </p:txBody>
+      </p:sp>
+      <p:pic>
+        <p:nvPicPr>
+          <p:cNvPr id="4" name="그림 3" descr="텍스트, 스크린샷, 소프트웨어, 웹 페이지이(가) 표시된 사진&#10;&#10;자동 생성된 설명">
+            <a:extLst>
+              <a:ext uri="{FF2B5EF4-FFF2-40B4-BE49-F238E27FC236}">
+                <a16:creationId xmlns:a16="http://schemas.microsoft.com/office/drawing/2014/main" id="{DE3D6F29-2F51-FA75-45DB-7B5D840538E7}"/>
+              </a:ext>
+            </a:extLst>
+          </p:cNvPr>
+          <p:cNvPicPr>
+            <a:picLocks noChangeAspect="1"/>
+          </p:cNvPicPr>
+          <p:nvPr/>
+        </p:nvPicPr>
+        <p:blipFill>
+          <a:blip r:embed="rId2"/>
+          <a:stretch>
+            <a:fillRect/>
+          </a:stretch>
+        </p:blipFill>
+        <p:spPr>
+          <a:xfrm>
+            <a:off x="2939970" y="880526"/>
+            <a:ext cx="6681956" cy="5395636"/>
+          </a:xfrm>
+          <a:prstGeom prst="rect">
+            <a:avLst/>
+          </a:prstGeom>
+        </p:spPr>
+      </p:pic>
+    </p:spTree>
+    <p:extLst>
+      <p:ext uri="{BB962C8B-B14F-4D97-AF65-F5344CB8AC3E}">
+        <p14:creationId xmlns:p14="http://schemas.microsoft.com/office/powerpoint/2010/main" val="1900757573"/>
       </p:ext>
     </p:extLst>
   </p:cSld>
@@ -7965,4 +10781,299 @@
     </a:ext>
   </a:extLst>
 </a:theme>
+</file>
+
+<file path=ppt/theme/theme2.xml><?xml version="1.0" encoding="utf-8"?>
+<a:theme xmlns:a="http://schemas.openxmlformats.org/drawingml/2006/main" name="Office 테마">
+  <a:themeElements>
+    <a:clrScheme name="Office">
+      <a:dk1>
+        <a:sysClr val="windowText" lastClr="000000"/>
+      </a:dk1>
+      <a:lt1>
+        <a:sysClr val="window" lastClr="FFFFFF"/>
+      </a:lt1>
+      <a:dk2>
+        <a:srgbClr val="44546A"/>
+      </a:dk2>
+      <a:lt2>
+        <a:srgbClr val="E7E6E6"/>
+      </a:lt2>
+      <a:accent1>
+        <a:srgbClr val="4472C4"/>
+      </a:accent1>
+      <a:accent2>
+        <a:srgbClr val="ED7D31"/>
+      </a:accent2>
+      <a:accent3>
+        <a:srgbClr val="A5A5A5"/>
+      </a:accent3>
+      <a:accent4>
+        <a:srgbClr val="FFC000"/>
+      </a:accent4>
+      <a:accent5>
+        <a:srgbClr val="5B9BD5"/>
+      </a:accent5>
+      <a:accent6>
+        <a:srgbClr val="70AD47"/>
+      </a:accent6>
+      <a:hlink>
+        <a:srgbClr val="0563C1"/>
+      </a:hlink>
+      <a:folHlink>
+        <a:srgbClr val="954F72"/>
+      </a:folHlink>
+    </a:clrScheme>
+    <a:fontScheme name="Office">
+      <a:majorFont>
+        <a:latin typeface="Calibri Light" panose="020F0302020204030204"/>
+        <a:ea typeface=""/>
+        <a:cs typeface=""/>
+        <a:font script="Jpan" typeface="游ゴシック Light"/>
+        <a:font script="Hang" typeface="맑은 고딕"/>
+        <a:font script="Hans" typeface="等线 Light"/>
+        <a:font script="Hant" typeface="新細明體"/>
+        <a:font script="Arab" typeface="Times New Roman"/>
+        <a:font script="Hebr" typeface="Times New Roman"/>
+        <a:font script="Thai" typeface="Angsana New"/>
+        <a:font script="Ethi" typeface="Nyala"/>
+        <a:font script="Beng" typeface="Vrinda"/>
+        <a:font script="Gujr" typeface="Shruti"/>
+        <a:font script="Khmr" typeface="MoolBoran"/>
+        <a:font script="Knda" typeface="Tunga"/>
+        <a:font script="Guru" typeface="Raavi"/>
+        <a:font script="Cans" typeface="Euphemia"/>
+        <a:font script="Cher" typeface="Plantagenet Cherokee"/>
+        <a:font script="Yiii" typeface="Microsoft Yi Baiti"/>
+        <a:font script="Tibt" typeface="Microsoft Himalaya"/>
+        <a:font script="Thaa" typeface="MV Boli"/>
+        <a:font script="Deva" typeface="Mangal"/>
+        <a:font script="Telu" typeface="Gautami"/>
+        <a:font script="Taml" typeface="Latha"/>
+        <a:font script="Syrc" typeface="Estrangelo Edessa"/>
+        <a:font script="Orya" typeface="Kalinga"/>
+        <a:font script="Mlym" typeface="Kartika"/>
+        <a:font script="Laoo" typeface="DokChampa"/>
+        <a:font script="Sinh" typeface="Iskoola Pota"/>
+        <a:font script="Mong" typeface="Mongolian Baiti"/>
+        <a:font script="Viet" typeface="Times New Roman"/>
+        <a:font script="Uigh" typeface="Microsoft Uighur"/>
+        <a:font script="Geor" typeface="Sylfaen"/>
+        <a:font script="Armn" typeface="Arial"/>
+        <a:font script="Bugi" typeface="Leelawadee UI"/>
+        <a:font script="Bopo" typeface="Microsoft JhengHei"/>
+        <a:font script="Java" typeface="Javanese Text"/>
+        <a:font script="Lisu" typeface="Segoe UI"/>
+        <a:font script="Mymr" typeface="Myanmar Text"/>
+        <a:font script="Nkoo" typeface="Ebrima"/>
+        <a:font script="Olck" typeface="Nirmala UI"/>
+        <a:font script="Osma" typeface="Ebrima"/>
+        <a:font script="Phag" typeface="Phagspa"/>
+        <a:font script="Syrn" typeface="Estrangelo Edessa"/>
+        <a:font script="Syrj" typeface="Estrangelo Edessa"/>
+        <a:font script="Syre" typeface="Estrangelo Edessa"/>
+        <a:font script="Sora" typeface="Nirmala UI"/>
+        <a:font script="Tale" typeface="Microsoft Tai Le"/>
+        <a:font script="Talu" typeface="Microsoft New Tai Lue"/>
+        <a:font script="Tfng" typeface="Ebrima"/>
+      </a:majorFont>
+      <a:minorFont>
+        <a:latin typeface="Calibri" panose="020F0502020204030204"/>
+        <a:ea typeface=""/>
+        <a:cs typeface=""/>
+        <a:font script="Jpan" typeface="游ゴシック"/>
+        <a:font script="Hang" typeface="맑은 고딕"/>
+        <a:font script="Hans" typeface="等线"/>
+        <a:font script="Hant" typeface="新細明體"/>
+        <a:font script="Arab" typeface="Arial"/>
+        <a:font script="Hebr" typeface="Arial"/>
+        <a:font script="Thai" typeface="Cordia New"/>
+        <a:font script="Ethi" typeface="Nyala"/>
+        <a:font script="Beng" typeface="Vrinda"/>
+        <a:font script="Gujr" typeface="Shruti"/>
+        <a:font script="Khmr" typeface="DaunPenh"/>
+        <a:font script="Knda" typeface="Tunga"/>
+        <a:font script="Guru" typeface="Raavi"/>
+        <a:font script="Cans" typeface="Euphemia"/>
+        <a:font script="Cher" typeface="Plantagenet Cherokee"/>
+        <a:font script="Yiii" typeface="Microsoft Yi Baiti"/>
+        <a:font script="Tibt" typeface="Microsoft Himalaya"/>
+        <a:font script="Thaa" typeface="MV Boli"/>
+        <a:font script="Deva" typeface="Mangal"/>
+        <a:font script="Telu" typeface="Gautami"/>
+        <a:font script="Taml" typeface="Latha"/>
+        <a:font script="Syrc" typeface="Estrangelo Edessa"/>
+        <a:font script="Orya" typeface="Kalinga"/>
+        <a:font script="Mlym" typeface="Kartika"/>
+        <a:font script="Laoo" typeface="DokChampa"/>
+        <a:font script="Sinh" typeface="Iskoola Pota"/>
+        <a:font script="Mong" typeface="Mongolian Baiti"/>
+        <a:font script="Viet" typeface="Arial"/>
+        <a:font script="Uigh" typeface="Microsoft Uighur"/>
+        <a:font script="Geor" typeface="Sylfaen"/>
+        <a:font script="Armn" typeface="Arial"/>
+        <a:font script="Bugi" typeface="Leelawadee UI"/>
+        <a:font script="Bopo" typeface="Microsoft JhengHei"/>
+        <a:font script="Java" typeface="Javanese Text"/>
+        <a:font script="Lisu" typeface="Segoe UI"/>
+        <a:font script="Mymr" typeface="Myanmar Text"/>
+        <a:font script="Nkoo" typeface="Ebrima"/>
+        <a:font script="Olck" typeface="Nirmala UI"/>
+        <a:font script="Osma" typeface="Ebrima"/>
+        <a:font script="Phag" typeface="Phagspa"/>
+        <a:font script="Syrn" typeface="Estrangelo Edessa"/>
+        <a:font script="Syrj" typeface="Estrangelo Edessa"/>
+        <a:font script="Syre" typeface="Estrangelo Edessa"/>
+        <a:font script="Sora" typeface="Nirmala UI"/>
+        <a:font script="Tale" typeface="Microsoft Tai Le"/>
+        <a:font script="Talu" typeface="Microsoft New Tai Lue"/>
+        <a:font script="Tfng" typeface="Ebrima"/>
+      </a:minorFont>
+    </a:fontScheme>
+    <a:fmtScheme name="Office">
+      <a:fillStyleLst>
+        <a:solidFill>
+          <a:schemeClr val="phClr"/>
+        </a:solidFill>
+        <a:gradFill rotWithShape="1">
+          <a:gsLst>
+            <a:gs pos="0">
+              <a:schemeClr val="phClr">
+                <a:lumMod val="110000"/>
+                <a:satMod val="105000"/>
+                <a:tint val="67000"/>
+              </a:schemeClr>
+            </a:gs>
+            <a:gs pos="50000">
+              <a:schemeClr val="phClr">
+                <a:lumMod val="105000"/>
+                <a:satMod val="103000"/>
+                <a:tint val="73000"/>
+              </a:schemeClr>
+            </a:gs>
+            <a:gs pos="100000">
+              <a:schemeClr val="phClr">
+                <a:lumMod val="105000"/>
+                <a:satMod val="109000"/>
+                <a:tint val="81000"/>
+              </a:schemeClr>
+            </a:gs>
+          </a:gsLst>
+          <a:lin ang="5400000" scaled="0"/>
+        </a:gradFill>
+        <a:gradFill rotWithShape="1">
+          <a:gsLst>
+            <a:gs pos="0">
+              <a:schemeClr val="phClr">
+                <a:satMod val="103000"/>
+                <a:lumMod val="102000"/>
+                <a:tint val="94000"/>
+              </a:schemeClr>
+            </a:gs>
+            <a:gs pos="50000">
+              <a:schemeClr val="phClr">
+                <a:satMod val="110000"/>
+                <a:lumMod val="100000"/>
+                <a:shade val="100000"/>
+              </a:schemeClr>
+            </a:gs>
+            <a:gs pos="100000">
+              <a:schemeClr val="phClr">
+                <a:lumMod val="99000"/>
+                <a:satMod val="120000"/>
+                <a:shade val="78000"/>
+              </a:schemeClr>
+            </a:gs>
+          </a:gsLst>
+          <a:lin ang="5400000" scaled="0"/>
+        </a:gradFill>
+      </a:fillStyleLst>
+      <a:lnStyleLst>
+        <a:ln w="6350" cap="flat" cmpd="sng" algn="ctr">
+          <a:solidFill>
+            <a:schemeClr val="phClr"/>
+          </a:solidFill>
+          <a:prstDash val="solid"/>
+          <a:miter lim="800000"/>
+        </a:ln>
+        <a:ln w="12700" cap="flat" cmpd="sng" algn="ctr">
+          <a:solidFill>
+            <a:schemeClr val="phClr"/>
+          </a:solidFill>
+          <a:prstDash val="solid"/>
+          <a:miter lim="800000"/>
+        </a:ln>
+        <a:ln w="19050" cap="flat" cmpd="sng" algn="ctr">
+          <a:solidFill>
+            <a:schemeClr val="phClr"/>
+          </a:solidFill>
+          <a:prstDash val="solid"/>
+          <a:miter lim="800000"/>
+        </a:ln>
+      </a:lnStyleLst>
+      <a:effectStyleLst>
+        <a:effectStyle>
+          <a:effectLst/>
+        </a:effectStyle>
+        <a:effectStyle>
+          <a:effectLst/>
+        </a:effectStyle>
+        <a:effectStyle>
+          <a:effectLst>
+            <a:outerShdw blurRad="57150" dist="19050" dir="5400000" algn="ctr" rotWithShape="0">
+              <a:srgbClr val="000000">
+                <a:alpha val="63000"/>
+              </a:srgbClr>
+            </a:outerShdw>
+          </a:effectLst>
+        </a:effectStyle>
+      </a:effectStyleLst>
+      <a:bgFillStyleLst>
+        <a:solidFill>
+          <a:schemeClr val="phClr"/>
+        </a:solidFill>
+        <a:solidFill>
+          <a:schemeClr val="phClr">
+            <a:tint val="95000"/>
+            <a:satMod val="170000"/>
+          </a:schemeClr>
+        </a:solidFill>
+        <a:gradFill rotWithShape="1">
+          <a:gsLst>
+            <a:gs pos="0">
+              <a:schemeClr val="phClr">
+                <a:tint val="93000"/>
+                <a:satMod val="150000"/>
+                <a:shade val="98000"/>
+                <a:lumMod val="102000"/>
+              </a:schemeClr>
+            </a:gs>
+            <a:gs pos="50000">
+              <a:schemeClr val="phClr">
+                <a:tint val="98000"/>
+                <a:satMod val="130000"/>
+                <a:shade val="90000"/>
+                <a:lumMod val="103000"/>
+              </a:schemeClr>
+            </a:gs>
+            <a:gs pos="100000">
+              <a:schemeClr val="phClr">
+                <a:shade val="63000"/>
+                <a:satMod val="120000"/>
+              </a:schemeClr>
+            </a:gs>
+          </a:gsLst>
+          <a:lin ang="5400000" scaled="0"/>
+        </a:gradFill>
+      </a:bgFillStyleLst>
+    </a:fmtScheme>
+  </a:themeElements>
+  <a:objectDefaults/>
+  <a:extraClrSchemeLst/>
+  <a:extLst>
+    <a:ext uri="{05A4C25C-085E-4340-85A3-A5531E510DB2}">
+      <thm15:themeFamily xmlns:thm15="http://schemas.microsoft.com/office/thememl/2012/main" name="Office Theme" id="{62F939B6-93AF-4DB8-9C6B-D6C7DFDC589F}" vid="{4A3C46E8-61CC-4603-A589-7422A47A8E4A}"/>
+    </a:ext>
+  </a:extLst>
+</a:theme>
 </file>